--- a/팀프로젝트_제안서.pptx
+++ b/팀프로젝트_제안서.pptx
@@ -10,6 +10,9 @@
     <p:sldId id="261" r:id="rId4"/>
     <p:sldId id="257" r:id="rId5"/>
     <p:sldId id="260" r:id="rId6"/>
+    <p:sldId id="262" r:id="rId7"/>
+    <p:sldId id="263" r:id="rId8"/>
+    <p:sldId id="264" r:id="rId9"/>
   </p:sldIdLst>
   <p:sldSz cx="12192000" cy="6858000"/>
   <p:notesSz cx="6858000" cy="9144000"/>
@@ -247,7 +250,7 @@
           <a:p>
             <a:fld id="{27925CC1-B885-4CBC-A99D-9FCDA3234F96}" type="datetimeFigureOut">
               <a:rPr lang="ko-KR" altLang="en-US" smtClean="0"/>
-              <a:t>2021-05-19</a:t>
+              <a:t>2021-05-20</a:t>
             </a:fld>
             <a:endParaRPr lang="ko-KR" altLang="en-US"/>
           </a:p>
@@ -417,7 +420,7 @@
           <a:p>
             <a:fld id="{27925CC1-B885-4CBC-A99D-9FCDA3234F96}" type="datetimeFigureOut">
               <a:rPr lang="ko-KR" altLang="en-US" smtClean="0"/>
-              <a:t>2021-05-19</a:t>
+              <a:t>2021-05-20</a:t>
             </a:fld>
             <a:endParaRPr lang="ko-KR" altLang="en-US"/>
           </a:p>
@@ -597,7 +600,7 @@
           <a:p>
             <a:fld id="{27925CC1-B885-4CBC-A99D-9FCDA3234F96}" type="datetimeFigureOut">
               <a:rPr lang="ko-KR" altLang="en-US" smtClean="0"/>
-              <a:t>2021-05-19</a:t>
+              <a:t>2021-05-20</a:t>
             </a:fld>
             <a:endParaRPr lang="ko-KR" altLang="en-US"/>
           </a:p>
@@ -767,7 +770,7 @@
           <a:p>
             <a:fld id="{27925CC1-B885-4CBC-A99D-9FCDA3234F96}" type="datetimeFigureOut">
               <a:rPr lang="ko-KR" altLang="en-US" smtClean="0"/>
-              <a:t>2021-05-19</a:t>
+              <a:t>2021-05-20</a:t>
             </a:fld>
             <a:endParaRPr lang="ko-KR" altLang="en-US"/>
           </a:p>
@@ -1013,7 +1016,7 @@
           <a:p>
             <a:fld id="{27925CC1-B885-4CBC-A99D-9FCDA3234F96}" type="datetimeFigureOut">
               <a:rPr lang="ko-KR" altLang="en-US" smtClean="0"/>
-              <a:t>2021-05-19</a:t>
+              <a:t>2021-05-20</a:t>
             </a:fld>
             <a:endParaRPr lang="ko-KR" altLang="en-US"/>
           </a:p>
@@ -1245,7 +1248,7 @@
           <a:p>
             <a:fld id="{27925CC1-B885-4CBC-A99D-9FCDA3234F96}" type="datetimeFigureOut">
               <a:rPr lang="ko-KR" altLang="en-US" smtClean="0"/>
-              <a:t>2021-05-19</a:t>
+              <a:t>2021-05-20</a:t>
             </a:fld>
             <a:endParaRPr lang="ko-KR" altLang="en-US"/>
           </a:p>
@@ -1612,7 +1615,7 @@
           <a:p>
             <a:fld id="{27925CC1-B885-4CBC-A99D-9FCDA3234F96}" type="datetimeFigureOut">
               <a:rPr lang="ko-KR" altLang="en-US" smtClean="0"/>
-              <a:t>2021-05-19</a:t>
+              <a:t>2021-05-20</a:t>
             </a:fld>
             <a:endParaRPr lang="ko-KR" altLang="en-US"/>
           </a:p>
@@ -1730,7 +1733,7 @@
           <a:p>
             <a:fld id="{27925CC1-B885-4CBC-A99D-9FCDA3234F96}" type="datetimeFigureOut">
               <a:rPr lang="ko-KR" altLang="en-US" smtClean="0"/>
-              <a:t>2021-05-19</a:t>
+              <a:t>2021-05-20</a:t>
             </a:fld>
             <a:endParaRPr lang="ko-KR" altLang="en-US"/>
           </a:p>
@@ -1825,7 +1828,7 @@
           <a:p>
             <a:fld id="{27925CC1-B885-4CBC-A99D-9FCDA3234F96}" type="datetimeFigureOut">
               <a:rPr lang="ko-KR" altLang="en-US" smtClean="0"/>
-              <a:t>2021-05-19</a:t>
+              <a:t>2021-05-20</a:t>
             </a:fld>
             <a:endParaRPr lang="ko-KR" altLang="en-US"/>
           </a:p>
@@ -2102,7 +2105,7 @@
           <a:p>
             <a:fld id="{27925CC1-B885-4CBC-A99D-9FCDA3234F96}" type="datetimeFigureOut">
               <a:rPr lang="ko-KR" altLang="en-US" smtClean="0"/>
-              <a:t>2021-05-19</a:t>
+              <a:t>2021-05-20</a:t>
             </a:fld>
             <a:endParaRPr lang="ko-KR" altLang="en-US"/>
           </a:p>
@@ -2355,7 +2358,7 @@
           <a:p>
             <a:fld id="{27925CC1-B885-4CBC-A99D-9FCDA3234F96}" type="datetimeFigureOut">
               <a:rPr lang="ko-KR" altLang="en-US" smtClean="0"/>
-              <a:t>2021-05-19</a:t>
+              <a:t>2021-05-20</a:t>
             </a:fld>
             <a:endParaRPr lang="ko-KR" altLang="en-US"/>
           </a:p>
@@ -2568,7 +2571,7 @@
           <a:p>
             <a:fld id="{27925CC1-B885-4CBC-A99D-9FCDA3234F96}" type="datetimeFigureOut">
               <a:rPr lang="ko-KR" altLang="en-US" smtClean="0"/>
-              <a:t>2021-05-19</a:t>
+              <a:t>2021-05-20</a:t>
             </a:fld>
             <a:endParaRPr lang="ko-KR" altLang="en-US"/>
           </a:p>
@@ -2981,8 +2984,8 @@
         </p:nvSpPr>
         <p:spPr>
           <a:xfrm>
-            <a:off x="2198915" y="1480455"/>
-            <a:ext cx="2743200" cy="3701143"/>
+            <a:off x="411822" y="1473073"/>
+            <a:ext cx="4921825" cy="3701143"/>
           </a:xfrm>
           <a:prstGeom prst="rect">
             <a:avLst/>
@@ -3017,7 +3020,7 @@
           <a:lstStyle/>
           <a:p>
             <a:pPr algn="ctr"/>
-            <a:endParaRPr lang="ko-KR" altLang="en-US"/>
+            <a:endParaRPr lang="ko-KR" altLang="en-US" dirty="0"/>
           </a:p>
         </p:txBody>
       </p:sp>
@@ -3029,7 +3032,7 @@
         </p:nvSpPr>
         <p:spPr>
           <a:xfrm>
-            <a:off x="2590800" y="1277257"/>
+            <a:off x="2590800" y="640440"/>
             <a:ext cx="2090057" cy="696686"/>
           </a:xfrm>
           <a:prstGeom prst="ellipse">
@@ -3079,8 +3082,8 @@
         </p:nvSpPr>
         <p:spPr>
           <a:xfrm>
-            <a:off x="2881085" y="2380342"/>
-            <a:ext cx="1509485" cy="174171"/>
+            <a:off x="1177943" y="2251079"/>
+            <a:ext cx="3377357" cy="350937"/>
           </a:xfrm>
           <a:prstGeom prst="rect">
             <a:avLst/>
@@ -3131,7 +3134,7 @@
         </p:nvSpPr>
         <p:spPr>
           <a:xfrm>
-            <a:off x="2881085" y="2039257"/>
+            <a:off x="2174958" y="1919526"/>
             <a:ext cx="1509485" cy="275771"/>
           </a:xfrm>
           <a:prstGeom prst="ellipse">
@@ -3183,8 +3186,8 @@
         </p:nvSpPr>
         <p:spPr>
           <a:xfrm>
-            <a:off x="3955141" y="2841172"/>
-            <a:ext cx="870857" cy="1582057"/>
+            <a:off x="4682801" y="2031875"/>
+            <a:ext cx="569043" cy="3007368"/>
           </a:xfrm>
           <a:prstGeom prst="rect">
             <a:avLst/>
@@ -3235,8 +3238,8 @@
         </p:nvSpPr>
         <p:spPr>
           <a:xfrm>
-            <a:off x="2402112" y="2841172"/>
-            <a:ext cx="1371598" cy="1582057"/>
+            <a:off x="1803083" y="2752991"/>
+            <a:ext cx="2253234" cy="1014622"/>
           </a:xfrm>
           <a:prstGeom prst="rect">
             <a:avLst/>
@@ -3391,8 +3394,8 @@
         </p:nvSpPr>
         <p:spPr>
           <a:xfrm>
-            <a:off x="4118429" y="2574471"/>
-            <a:ext cx="1124856" cy="239485"/>
+            <a:off x="4315833" y="1544061"/>
+            <a:ext cx="899883" cy="260566"/>
           </a:xfrm>
           <a:prstGeom prst="rect">
             <a:avLst/>
@@ -3596,7 +3599,7 @@
         </p:nvSpPr>
         <p:spPr>
           <a:xfrm>
-            <a:off x="7228113" y="1785256"/>
+            <a:off x="7130137" y="1603828"/>
             <a:ext cx="609600" cy="609600"/>
           </a:xfrm>
           <a:prstGeom prst="ellipse">
@@ -3648,7 +3651,7 @@
         </p:nvSpPr>
         <p:spPr>
           <a:xfrm>
-            <a:off x="7988296" y="2039257"/>
+            <a:off x="7988296" y="1773691"/>
             <a:ext cx="1509485" cy="174171"/>
           </a:xfrm>
           <a:prstGeom prst="rect">
@@ -3860,6 +3863,192 @@
               <a:t>투표</a:t>
             </a:r>
             <a:endParaRPr lang="ko-KR" altLang="en-US" dirty="0"/>
+          </a:p>
+        </p:txBody>
+      </p:sp>
+      <p:sp>
+        <p:nvSpPr>
+          <p:cNvPr id="21" name="직사각형 20"/>
+          <p:cNvSpPr/>
+          <p:nvPr/>
+        </p:nvSpPr>
+        <p:spPr>
+          <a:xfrm>
+            <a:off x="1783995" y="3987148"/>
+            <a:ext cx="2231572" cy="1014622"/>
+          </a:xfrm>
+          <a:prstGeom prst="rect">
+            <a:avLst/>
+          </a:prstGeom>
+          <a:solidFill>
+            <a:schemeClr val="accent3"/>
+          </a:solidFill>
+          <a:ln>
+            <a:solidFill>
+              <a:schemeClr val="tx1"/>
+            </a:solidFill>
+          </a:ln>
+        </p:spPr>
+        <p:style>
+          <a:lnRef idx="2">
+            <a:schemeClr val="accent1">
+              <a:shade val="50000"/>
+            </a:schemeClr>
+          </a:lnRef>
+          <a:fillRef idx="1">
+            <a:schemeClr val="accent1"/>
+          </a:fillRef>
+          <a:effectRef idx="0">
+            <a:schemeClr val="accent1"/>
+          </a:effectRef>
+          <a:fontRef idx="minor">
+            <a:schemeClr val="lt1"/>
+          </a:fontRef>
+        </p:style>
+        <p:txBody>
+          <a:bodyPr rtlCol="0" anchor="ctr"/>
+          <a:lstStyle/>
+          <a:p>
+            <a:pPr algn="ctr"/>
+            <a:r>
+              <a:rPr lang="en-US" altLang="ko-KR" dirty="0" smtClean="0"/>
+              <a:t>Hot Ranking</a:t>
+            </a:r>
+            <a:endParaRPr lang="ko-KR" altLang="en-US" dirty="0"/>
+          </a:p>
+        </p:txBody>
+      </p:sp>
+      <p:sp>
+        <p:nvSpPr>
+          <p:cNvPr id="22" name="직사각형 21"/>
+          <p:cNvSpPr/>
+          <p:nvPr/>
+        </p:nvSpPr>
+        <p:spPr>
+          <a:xfrm>
+            <a:off x="527785" y="1552237"/>
+            <a:ext cx="1509485" cy="174171"/>
+          </a:xfrm>
+          <a:prstGeom prst="rect">
+            <a:avLst/>
+          </a:prstGeom>
+          <a:solidFill>
+            <a:schemeClr val="accent3"/>
+          </a:solidFill>
+          <a:ln>
+            <a:solidFill>
+              <a:schemeClr val="tx1"/>
+            </a:solidFill>
+          </a:ln>
+        </p:spPr>
+        <p:style>
+          <a:lnRef idx="2">
+            <a:schemeClr val="accent1">
+              <a:shade val="50000"/>
+            </a:schemeClr>
+          </a:lnRef>
+          <a:fillRef idx="1">
+            <a:schemeClr val="accent1"/>
+          </a:fillRef>
+          <a:effectRef idx="0">
+            <a:schemeClr val="accent1"/>
+          </a:effectRef>
+          <a:fontRef idx="minor">
+            <a:schemeClr val="lt1"/>
+          </a:fontRef>
+        </p:style>
+        <p:txBody>
+          <a:bodyPr rtlCol="0" anchor="ctr"/>
+          <a:lstStyle/>
+          <a:p>
+            <a:pPr algn="ctr"/>
+            <a:r>
+              <a:rPr lang="ko-KR" altLang="en-US" dirty="0" err="1" smtClean="0"/>
+              <a:t>사이트이름</a:t>
+            </a:r>
+            <a:endParaRPr lang="ko-KR" altLang="en-US" dirty="0"/>
+          </a:p>
+        </p:txBody>
+      </p:sp>
+      <p:sp>
+        <p:nvSpPr>
+          <p:cNvPr id="23" name="직사각형 22"/>
+          <p:cNvSpPr/>
+          <p:nvPr/>
+        </p:nvSpPr>
+        <p:spPr>
+          <a:xfrm>
+            <a:off x="2140505" y="1552237"/>
+            <a:ext cx="2057398" cy="223960"/>
+          </a:xfrm>
+          <a:prstGeom prst="rect">
+            <a:avLst/>
+          </a:prstGeom>
+          <a:solidFill>
+            <a:schemeClr val="accent3"/>
+          </a:solidFill>
+          <a:ln>
+            <a:solidFill>
+              <a:schemeClr val="tx1"/>
+            </a:solidFill>
+          </a:ln>
+        </p:spPr>
+        <p:style>
+          <a:lnRef idx="2">
+            <a:schemeClr val="accent1">
+              <a:shade val="50000"/>
+            </a:schemeClr>
+          </a:lnRef>
+          <a:fillRef idx="1">
+            <a:schemeClr val="accent1"/>
+          </a:fillRef>
+          <a:effectRef idx="0">
+            <a:schemeClr val="accent1"/>
+          </a:effectRef>
+          <a:fontRef idx="minor">
+            <a:schemeClr val="lt1"/>
+          </a:fontRef>
+        </p:style>
+        <p:txBody>
+          <a:bodyPr rtlCol="0" anchor="ctr"/>
+          <a:lstStyle/>
+          <a:p>
+            <a:pPr algn="ctr"/>
+            <a:r>
+              <a:rPr lang="ko-KR" altLang="en-US" dirty="0" smtClean="0"/>
+              <a:t>메뉴</a:t>
+            </a:r>
+            <a:endParaRPr lang="ko-KR" altLang="en-US" dirty="0"/>
+          </a:p>
+        </p:txBody>
+      </p:sp>
+      <p:sp>
+        <p:nvSpPr>
+          <p:cNvPr id="13" name="TextBox 12"/>
+          <p:cNvSpPr txBox="1"/>
+          <p:nvPr/>
+        </p:nvSpPr>
+        <p:spPr>
+          <a:xfrm>
+            <a:off x="7008090" y="795398"/>
+            <a:ext cx="2738250" cy="369332"/>
+          </a:xfrm>
+          <a:prstGeom prst="rect">
+            <a:avLst/>
+          </a:prstGeom>
+          <a:noFill/>
+        </p:spPr>
+        <p:txBody>
+          <a:bodyPr wrap="none" rtlCol="0">
+            <a:spAutoFit/>
+          </a:bodyPr>
+          <a:lstStyle/>
+          <a:p>
+            <a:r>
+              <a:rPr lang="ko-KR" altLang="en-US" smtClean="0"/>
+              <a:t>검색했을 경우 관련 랭킹</a:t>
+            </a:r>
+            <a:endParaRPr lang="ko-KR" altLang="en-US"/>
           </a:p>
         </p:txBody>
       </p:sp>
@@ -4513,6 +4702,148 @@
           </a:p>
         </p:txBody>
       </p:sp>
+      <p:sp>
+        <p:nvSpPr>
+          <p:cNvPr id="2" name="TextBox 1"/>
+          <p:cNvSpPr txBox="1"/>
+          <p:nvPr/>
+        </p:nvSpPr>
+        <p:spPr>
+          <a:xfrm>
+            <a:off x="2289025" y="2855603"/>
+            <a:ext cx="1787669" cy="369332"/>
+          </a:xfrm>
+          <a:prstGeom prst="rect">
+            <a:avLst/>
+          </a:prstGeom>
+          <a:noFill/>
+        </p:spPr>
+        <p:txBody>
+          <a:bodyPr wrap="none" rtlCol="0">
+            <a:spAutoFit/>
+          </a:bodyPr>
+          <a:lstStyle/>
+          <a:p>
+            <a:r>
+              <a:rPr lang="ko-KR" altLang="en-US" dirty="0" smtClean="0"/>
+              <a:t>랭킹 </a:t>
+            </a:r>
+            <a:r>
+              <a:rPr lang="en-US" altLang="ko-KR" dirty="0" smtClean="0"/>
+              <a:t>|</a:t>
+            </a:r>
+            <a:r>
+              <a:rPr lang="ko-KR" altLang="en-US" dirty="0" smtClean="0"/>
+              <a:t> 체크박스</a:t>
+            </a:r>
+            <a:endParaRPr lang="ko-KR" altLang="en-US" dirty="0"/>
+          </a:p>
+        </p:txBody>
+      </p:sp>
+      <p:sp>
+        <p:nvSpPr>
+          <p:cNvPr id="15" name="직사각형 14"/>
+          <p:cNvSpPr/>
+          <p:nvPr/>
+        </p:nvSpPr>
+        <p:spPr>
+          <a:xfrm>
+            <a:off x="2324099" y="1559831"/>
+            <a:ext cx="1509485" cy="174171"/>
+          </a:xfrm>
+          <a:prstGeom prst="rect">
+            <a:avLst/>
+          </a:prstGeom>
+          <a:solidFill>
+            <a:schemeClr val="accent3"/>
+          </a:solidFill>
+          <a:ln>
+            <a:solidFill>
+              <a:schemeClr val="tx1"/>
+            </a:solidFill>
+          </a:ln>
+        </p:spPr>
+        <p:style>
+          <a:lnRef idx="2">
+            <a:schemeClr val="accent1">
+              <a:shade val="50000"/>
+            </a:schemeClr>
+          </a:lnRef>
+          <a:fillRef idx="1">
+            <a:schemeClr val="accent1"/>
+          </a:fillRef>
+          <a:effectRef idx="0">
+            <a:schemeClr val="accent1"/>
+          </a:effectRef>
+          <a:fontRef idx="minor">
+            <a:schemeClr val="lt1"/>
+          </a:fontRef>
+        </p:style>
+        <p:txBody>
+          <a:bodyPr rtlCol="0" anchor="ctr"/>
+          <a:lstStyle/>
+          <a:p>
+            <a:pPr algn="ctr"/>
+            <a:r>
+              <a:rPr lang="ko-KR" altLang="en-US" dirty="0" err="1" smtClean="0"/>
+              <a:t>사이트이름</a:t>
+            </a:r>
+            <a:endParaRPr lang="ko-KR" altLang="en-US" dirty="0"/>
+          </a:p>
+        </p:txBody>
+      </p:sp>
+      <p:sp>
+        <p:nvSpPr>
+          <p:cNvPr id="16" name="직사각형 15"/>
+          <p:cNvSpPr/>
+          <p:nvPr/>
+        </p:nvSpPr>
+        <p:spPr>
+          <a:xfrm>
+            <a:off x="8040910" y="1578187"/>
+            <a:ext cx="1509485" cy="174171"/>
+          </a:xfrm>
+          <a:prstGeom prst="rect">
+            <a:avLst/>
+          </a:prstGeom>
+          <a:solidFill>
+            <a:schemeClr val="accent3"/>
+          </a:solidFill>
+          <a:ln>
+            <a:solidFill>
+              <a:schemeClr val="tx1"/>
+            </a:solidFill>
+          </a:ln>
+        </p:spPr>
+        <p:style>
+          <a:lnRef idx="2">
+            <a:schemeClr val="accent1">
+              <a:shade val="50000"/>
+            </a:schemeClr>
+          </a:lnRef>
+          <a:fillRef idx="1">
+            <a:schemeClr val="accent1"/>
+          </a:fillRef>
+          <a:effectRef idx="0">
+            <a:schemeClr val="accent1"/>
+          </a:effectRef>
+          <a:fontRef idx="minor">
+            <a:schemeClr val="lt1"/>
+          </a:fontRef>
+        </p:style>
+        <p:txBody>
+          <a:bodyPr rtlCol="0" anchor="ctr"/>
+          <a:lstStyle/>
+          <a:p>
+            <a:pPr algn="ctr"/>
+            <a:r>
+              <a:rPr lang="ko-KR" altLang="en-US" dirty="0" err="1" smtClean="0"/>
+              <a:t>사이트이름</a:t>
+            </a:r>
+            <a:endParaRPr lang="ko-KR" altLang="en-US" dirty="0"/>
+          </a:p>
+        </p:txBody>
+      </p:sp>
     </p:spTree>
     <p:extLst>
       <p:ext uri="{BB962C8B-B14F-4D97-AF65-F5344CB8AC3E}">
@@ -4917,8 +5248,8 @@
         </p:nvSpPr>
         <p:spPr>
           <a:xfrm>
-            <a:off x="7353299" y="1480456"/>
-            <a:ext cx="2743200" cy="3701143"/>
+            <a:off x="6442364" y="1480456"/>
+            <a:ext cx="5261955" cy="3701143"/>
           </a:xfrm>
           <a:prstGeom prst="rect">
             <a:avLst/>
@@ -4965,8 +5296,8 @@
         </p:nvSpPr>
         <p:spPr>
           <a:xfrm>
-            <a:off x="7723415" y="1953532"/>
-            <a:ext cx="609600" cy="609600"/>
+            <a:off x="6735014" y="1903316"/>
+            <a:ext cx="1100666" cy="901800"/>
           </a:xfrm>
           <a:prstGeom prst="ellipse">
             <a:avLst/>
@@ -5002,6 +5333,10 @@
           <a:p>
             <a:pPr algn="ctr"/>
             <a:r>
+              <a:rPr lang="ko-KR" altLang="en-US" sz="1100" dirty="0" smtClean="0"/>
+              <a:t>검색</a:t>
+            </a:r>
+            <a:r>
               <a:rPr lang="en-US" altLang="ko-KR" sz="1100" dirty="0" smtClean="0"/>
               <a:t>image</a:t>
             </a:r>
@@ -5017,7 +5352,7 @@
         </p:nvSpPr>
         <p:spPr>
           <a:xfrm>
-            <a:off x="8501736" y="2039258"/>
+            <a:off x="8325351" y="2027204"/>
             <a:ext cx="1509485" cy="348342"/>
           </a:xfrm>
           <a:prstGeom prst="rect">
@@ -5054,8 +5389,8 @@
           <a:p>
             <a:pPr algn="ctr"/>
             <a:r>
-              <a:rPr lang="ko-KR" altLang="en-US" dirty="0" smtClean="0"/>
-              <a:t>이름</a:t>
+              <a:rPr lang="ko-KR" altLang="en-US" dirty="0" err="1" smtClean="0"/>
+              <a:t>검색어</a:t>
             </a:r>
             <a:endParaRPr lang="ko-KR" altLang="en-US" dirty="0"/>
           </a:p>
@@ -5069,7 +5404,7 @@
         </p:nvSpPr>
         <p:spPr>
           <a:xfrm>
-            <a:off x="7390157" y="2620734"/>
+            <a:off x="8268105" y="2512333"/>
             <a:ext cx="1741716" cy="2226130"/>
           </a:xfrm>
           <a:prstGeom prst="rect">
@@ -5106,7 +5441,7 @@
           <a:p>
             <a:pPr algn="ctr"/>
             <a:r>
-              <a:rPr lang="ko-KR" altLang="en-US" smtClean="0"/>
+              <a:rPr lang="ko-KR" altLang="en-US" dirty="0" smtClean="0"/>
               <a:t>설명</a:t>
             </a:r>
             <a:endParaRPr lang="ko-KR" altLang="en-US" dirty="0"/>
@@ -5121,8 +5456,8 @@
         </p:nvSpPr>
         <p:spPr>
           <a:xfrm>
-            <a:off x="9168730" y="2889022"/>
-            <a:ext cx="922556" cy="1791154"/>
+            <a:off x="10565321" y="2726714"/>
+            <a:ext cx="922556" cy="898684"/>
           </a:xfrm>
           <a:prstGeom prst="rect">
             <a:avLst/>
@@ -5159,7 +5494,7 @@
             <a:pPr algn="ctr"/>
             <a:r>
               <a:rPr lang="ko-KR" altLang="en-US" sz="1400" smtClean="0"/>
-              <a:t>커뮤니티</a:t>
+              <a:t>의견의장</a:t>
             </a:r>
             <a:endParaRPr lang="ko-KR" altLang="en-US" sz="1400" dirty="0"/>
           </a:p>
@@ -5216,6 +5551,238 @@
             <a:r>
               <a:rPr lang="ko-KR" altLang="en-US" dirty="0" smtClean="0"/>
               <a:t>커뮤니티</a:t>
+            </a:r>
+            <a:endParaRPr lang="ko-KR" altLang="en-US" dirty="0"/>
+          </a:p>
+        </p:txBody>
+      </p:sp>
+      <p:sp>
+        <p:nvSpPr>
+          <p:cNvPr id="18" name="직사각형 17"/>
+          <p:cNvSpPr/>
+          <p:nvPr/>
+        </p:nvSpPr>
+        <p:spPr>
+          <a:xfrm>
+            <a:off x="10318652" y="1576446"/>
+            <a:ext cx="1152911" cy="260566"/>
+          </a:xfrm>
+          <a:prstGeom prst="rect">
+            <a:avLst/>
+          </a:prstGeom>
+          <a:solidFill>
+            <a:schemeClr val="accent3"/>
+          </a:solidFill>
+          <a:ln>
+            <a:solidFill>
+              <a:schemeClr val="tx1"/>
+            </a:solidFill>
+          </a:ln>
+        </p:spPr>
+        <p:style>
+          <a:lnRef idx="2">
+            <a:schemeClr val="accent1">
+              <a:shade val="50000"/>
+            </a:schemeClr>
+          </a:lnRef>
+          <a:fillRef idx="1">
+            <a:schemeClr val="accent1"/>
+          </a:fillRef>
+          <a:effectRef idx="0">
+            <a:schemeClr val="accent1"/>
+          </a:effectRef>
+          <a:fontRef idx="minor">
+            <a:schemeClr val="lt1"/>
+          </a:fontRef>
+        </p:style>
+        <p:txBody>
+          <a:bodyPr rtlCol="0" anchor="ctr"/>
+          <a:lstStyle/>
+          <a:p>
+            <a:pPr algn="ctr"/>
+            <a:r>
+              <a:rPr lang="ko-KR" altLang="en-US" sz="1000" dirty="0" smtClean="0">
+                <a:solidFill>
+                  <a:schemeClr val="tx1"/>
+                </a:solidFill>
+              </a:rPr>
+              <a:t>로그인</a:t>
+            </a:r>
+            <a:r>
+              <a:rPr lang="en-US" altLang="ko-KR" sz="1000" dirty="0" smtClean="0">
+                <a:solidFill>
+                  <a:schemeClr val="tx1"/>
+                </a:solidFill>
+              </a:rPr>
+              <a:t>/</a:t>
+            </a:r>
+            <a:r>
+              <a:rPr lang="ko-KR" altLang="en-US" sz="1000" dirty="0" smtClean="0">
+                <a:solidFill>
+                  <a:schemeClr val="tx1"/>
+                </a:solidFill>
+              </a:rPr>
+              <a:t>회원가입</a:t>
+            </a:r>
+            <a:endParaRPr lang="ko-KR" altLang="en-US" sz="1000" dirty="0">
+              <a:solidFill>
+                <a:schemeClr val="tx1"/>
+              </a:solidFill>
+            </a:endParaRPr>
+          </a:p>
+        </p:txBody>
+      </p:sp>
+      <p:sp>
+        <p:nvSpPr>
+          <p:cNvPr id="19" name="직사각형 18"/>
+          <p:cNvSpPr/>
+          <p:nvPr/>
+        </p:nvSpPr>
+        <p:spPr>
+          <a:xfrm>
+            <a:off x="6530605" y="1584622"/>
+            <a:ext cx="1509485" cy="252390"/>
+          </a:xfrm>
+          <a:prstGeom prst="rect">
+            <a:avLst/>
+          </a:prstGeom>
+          <a:solidFill>
+            <a:schemeClr val="accent3"/>
+          </a:solidFill>
+          <a:ln>
+            <a:solidFill>
+              <a:schemeClr val="tx1"/>
+            </a:solidFill>
+          </a:ln>
+        </p:spPr>
+        <p:style>
+          <a:lnRef idx="2">
+            <a:schemeClr val="accent1">
+              <a:shade val="50000"/>
+            </a:schemeClr>
+          </a:lnRef>
+          <a:fillRef idx="1">
+            <a:schemeClr val="accent1"/>
+          </a:fillRef>
+          <a:effectRef idx="0">
+            <a:schemeClr val="accent1"/>
+          </a:effectRef>
+          <a:fontRef idx="minor">
+            <a:schemeClr val="lt1"/>
+          </a:fontRef>
+        </p:style>
+        <p:txBody>
+          <a:bodyPr rtlCol="0" anchor="ctr"/>
+          <a:lstStyle/>
+          <a:p>
+            <a:pPr algn="ctr"/>
+            <a:r>
+              <a:rPr lang="ko-KR" altLang="en-US" dirty="0" err="1" smtClean="0"/>
+              <a:t>사이트이름</a:t>
+            </a:r>
+            <a:endParaRPr lang="ko-KR" altLang="en-US" dirty="0"/>
+          </a:p>
+        </p:txBody>
+      </p:sp>
+      <p:sp>
+        <p:nvSpPr>
+          <p:cNvPr id="20" name="직사각형 19"/>
+          <p:cNvSpPr/>
+          <p:nvPr/>
+        </p:nvSpPr>
+        <p:spPr>
+          <a:xfrm>
+            <a:off x="8143325" y="1584622"/>
+            <a:ext cx="2057398" cy="223960"/>
+          </a:xfrm>
+          <a:prstGeom prst="rect">
+            <a:avLst/>
+          </a:prstGeom>
+          <a:solidFill>
+            <a:schemeClr val="accent3"/>
+          </a:solidFill>
+          <a:ln>
+            <a:solidFill>
+              <a:schemeClr val="tx1"/>
+            </a:solidFill>
+          </a:ln>
+        </p:spPr>
+        <p:style>
+          <a:lnRef idx="2">
+            <a:schemeClr val="accent1">
+              <a:shade val="50000"/>
+            </a:schemeClr>
+          </a:lnRef>
+          <a:fillRef idx="1">
+            <a:schemeClr val="accent1"/>
+          </a:fillRef>
+          <a:effectRef idx="0">
+            <a:schemeClr val="accent1"/>
+          </a:effectRef>
+          <a:fontRef idx="minor">
+            <a:schemeClr val="lt1"/>
+          </a:fontRef>
+        </p:style>
+        <p:txBody>
+          <a:bodyPr rtlCol="0" anchor="ctr"/>
+          <a:lstStyle/>
+          <a:p>
+            <a:pPr algn="ctr"/>
+            <a:r>
+              <a:rPr lang="ko-KR" altLang="en-US" dirty="0" smtClean="0"/>
+              <a:t>메뉴</a:t>
+            </a:r>
+            <a:endParaRPr lang="ko-KR" altLang="en-US" dirty="0"/>
+          </a:p>
+        </p:txBody>
+      </p:sp>
+      <p:sp>
+        <p:nvSpPr>
+          <p:cNvPr id="21" name="직사각형 20"/>
+          <p:cNvSpPr/>
+          <p:nvPr/>
+        </p:nvSpPr>
+        <p:spPr>
+          <a:xfrm>
+            <a:off x="2328234" y="1542799"/>
+            <a:ext cx="1509485" cy="174171"/>
+          </a:xfrm>
+          <a:prstGeom prst="rect">
+            <a:avLst/>
+          </a:prstGeom>
+          <a:solidFill>
+            <a:schemeClr val="accent3"/>
+          </a:solidFill>
+          <a:ln>
+            <a:solidFill>
+              <a:schemeClr val="tx1"/>
+            </a:solidFill>
+          </a:ln>
+        </p:spPr>
+        <p:style>
+          <a:lnRef idx="2">
+            <a:schemeClr val="accent1">
+              <a:shade val="50000"/>
+            </a:schemeClr>
+          </a:lnRef>
+          <a:fillRef idx="1">
+            <a:schemeClr val="accent1"/>
+          </a:fillRef>
+          <a:effectRef idx="0">
+            <a:schemeClr val="accent1"/>
+          </a:effectRef>
+          <a:fontRef idx="minor">
+            <a:schemeClr val="lt1"/>
+          </a:fontRef>
+        </p:style>
+        <p:txBody>
+          <a:bodyPr rtlCol="0" anchor="ctr"/>
+          <a:lstStyle/>
+          <a:p>
+            <a:pPr algn="ctr"/>
+            <a:r>
+              <a:rPr lang="ko-KR" altLang="en-US" dirty="0" err="1" smtClean="0"/>
+              <a:t>사이트이름</a:t>
             </a:r>
             <a:endParaRPr lang="ko-KR" altLang="en-US" dirty="0"/>
           </a:p>
@@ -5253,208 +5820,6 @@
       </p:grpSpPr>
       <p:sp>
         <p:nvSpPr>
-          <p:cNvPr id="4" name="직사각형 3"/>
-          <p:cNvSpPr/>
-          <p:nvPr/>
-        </p:nvSpPr>
-        <p:spPr>
-          <a:xfrm>
-            <a:off x="2198915" y="1480455"/>
-            <a:ext cx="2743200" cy="3701143"/>
-          </a:xfrm>
-          <a:prstGeom prst="rect">
-            <a:avLst/>
-          </a:prstGeom>
-          <a:solidFill>
-            <a:schemeClr val="bg2"/>
-          </a:solidFill>
-          <a:ln>
-            <a:solidFill>
-              <a:schemeClr val="bg2"/>
-            </a:solidFill>
-          </a:ln>
-        </p:spPr>
-        <p:style>
-          <a:lnRef idx="2">
-            <a:schemeClr val="accent1">
-              <a:shade val="50000"/>
-            </a:schemeClr>
-          </a:lnRef>
-          <a:fillRef idx="1">
-            <a:schemeClr val="accent1"/>
-          </a:fillRef>
-          <a:effectRef idx="0">
-            <a:schemeClr val="accent1"/>
-          </a:effectRef>
-          <a:fontRef idx="minor">
-            <a:schemeClr val="lt1"/>
-          </a:fontRef>
-        </p:style>
-        <p:txBody>
-          <a:bodyPr rtlCol="0" anchor="ctr"/>
-          <a:lstStyle/>
-          <a:p>
-            <a:pPr algn="ctr"/>
-            <a:endParaRPr lang="ko-KR" altLang="en-US"/>
-          </a:p>
-        </p:txBody>
-      </p:sp>
-      <p:sp>
-        <p:nvSpPr>
-          <p:cNvPr id="5" name="타원 4"/>
-          <p:cNvSpPr/>
-          <p:nvPr/>
-        </p:nvSpPr>
-        <p:spPr>
-          <a:xfrm>
-            <a:off x="2590800" y="1277257"/>
-            <a:ext cx="2090057" cy="696686"/>
-          </a:xfrm>
-          <a:prstGeom prst="ellipse">
-            <a:avLst/>
-          </a:prstGeom>
-          <a:solidFill>
-            <a:schemeClr val="tx1"/>
-          </a:solidFill>
-          <a:ln>
-            <a:noFill/>
-          </a:ln>
-        </p:spPr>
-        <p:style>
-          <a:lnRef idx="2">
-            <a:schemeClr val="accent1">
-              <a:shade val="50000"/>
-            </a:schemeClr>
-          </a:lnRef>
-          <a:fillRef idx="1">
-            <a:schemeClr val="accent1"/>
-          </a:fillRef>
-          <a:effectRef idx="0">
-            <a:schemeClr val="accent1"/>
-          </a:effectRef>
-          <a:fontRef idx="minor">
-            <a:schemeClr val="lt1"/>
-          </a:fontRef>
-        </p:style>
-        <p:txBody>
-          <a:bodyPr rtlCol="0" anchor="ctr"/>
-          <a:lstStyle/>
-          <a:p>
-            <a:pPr algn="ctr"/>
-            <a:r>
-              <a:rPr lang="en-US" altLang="ko-KR" dirty="0" smtClean="0"/>
-              <a:t>Index</a:t>
-            </a:r>
-            <a:endParaRPr lang="ko-KR" altLang="en-US" dirty="0"/>
-          </a:p>
-        </p:txBody>
-      </p:sp>
-      <p:sp>
-        <p:nvSpPr>
-          <p:cNvPr id="6" name="직사각형 5"/>
-          <p:cNvSpPr/>
-          <p:nvPr/>
-        </p:nvSpPr>
-        <p:spPr>
-          <a:xfrm>
-            <a:off x="2881085" y="2380342"/>
-            <a:ext cx="1509485" cy="174171"/>
-          </a:xfrm>
-          <a:prstGeom prst="rect">
-            <a:avLst/>
-          </a:prstGeom>
-          <a:solidFill>
-            <a:schemeClr val="accent3"/>
-          </a:solidFill>
-          <a:ln>
-            <a:solidFill>
-              <a:schemeClr val="tx1"/>
-            </a:solidFill>
-          </a:ln>
-        </p:spPr>
-        <p:style>
-          <a:lnRef idx="2">
-            <a:schemeClr val="accent1">
-              <a:shade val="50000"/>
-            </a:schemeClr>
-          </a:lnRef>
-          <a:fillRef idx="1">
-            <a:schemeClr val="accent1"/>
-          </a:fillRef>
-          <a:effectRef idx="0">
-            <a:schemeClr val="accent1"/>
-          </a:effectRef>
-          <a:fontRef idx="minor">
-            <a:schemeClr val="lt1"/>
-          </a:fontRef>
-        </p:style>
-        <p:txBody>
-          <a:bodyPr rtlCol="0" anchor="ctr"/>
-          <a:lstStyle/>
-          <a:p>
-            <a:pPr algn="ctr"/>
-            <a:r>
-              <a:rPr lang="en-US" altLang="ko-KR" dirty="0" smtClean="0"/>
-              <a:t>search</a:t>
-            </a:r>
-            <a:endParaRPr lang="ko-KR" altLang="en-US" dirty="0"/>
-          </a:p>
-        </p:txBody>
-      </p:sp>
-      <p:sp>
-        <p:nvSpPr>
-          <p:cNvPr id="7" name="타원 6"/>
-          <p:cNvSpPr/>
-          <p:nvPr/>
-        </p:nvSpPr>
-        <p:spPr>
-          <a:xfrm>
-            <a:off x="2881085" y="2039257"/>
-            <a:ext cx="1509485" cy="275771"/>
-          </a:xfrm>
-          <a:prstGeom prst="ellipse">
-            <a:avLst/>
-          </a:prstGeom>
-          <a:solidFill>
-            <a:schemeClr val="accent3"/>
-          </a:solidFill>
-          <a:ln>
-            <a:solidFill>
-              <a:schemeClr val="tx1"/>
-            </a:solidFill>
-          </a:ln>
-        </p:spPr>
-        <p:style>
-          <a:lnRef idx="2">
-            <a:schemeClr val="accent1">
-              <a:shade val="50000"/>
-            </a:schemeClr>
-          </a:lnRef>
-          <a:fillRef idx="1">
-            <a:schemeClr val="accent1"/>
-          </a:fillRef>
-          <a:effectRef idx="0">
-            <a:schemeClr val="accent1"/>
-          </a:effectRef>
-          <a:fontRef idx="minor">
-            <a:schemeClr val="lt1"/>
-          </a:fontRef>
-        </p:style>
-        <p:txBody>
-          <a:bodyPr rtlCol="0" anchor="ctr"/>
-          <a:lstStyle/>
-          <a:p>
-            <a:pPr algn="ctr"/>
-            <a:r>
-              <a:rPr lang="en-US" altLang="ko-KR" dirty="0" smtClean="0"/>
-              <a:t>image</a:t>
-            </a:r>
-            <a:endParaRPr lang="ko-KR" altLang="en-US" dirty="0"/>
-          </a:p>
-        </p:txBody>
-      </p:sp>
-      <p:sp>
-        <p:nvSpPr>
           <p:cNvPr id="10" name="오른쪽 화살표 9"/>
           <p:cNvSpPr/>
           <p:nvPr/>
@@ -5559,14 +5924,652 @@
       </p:sp>
       <p:sp>
         <p:nvSpPr>
-          <p:cNvPr id="12" name="직사각형 11"/>
+          <p:cNvPr id="13" name="직사각형 12"/>
           <p:cNvSpPr/>
           <p:nvPr/>
         </p:nvSpPr>
         <p:spPr>
           <a:xfrm>
-            <a:off x="4118429" y="2574471"/>
+            <a:off x="7302945" y="1480455"/>
+            <a:ext cx="2743200" cy="3701143"/>
+          </a:xfrm>
+          <a:prstGeom prst="rect">
+            <a:avLst/>
+          </a:prstGeom>
+          <a:solidFill>
+            <a:schemeClr val="bg2"/>
+          </a:solidFill>
+          <a:ln>
+            <a:solidFill>
+              <a:schemeClr val="bg2"/>
+            </a:solidFill>
+          </a:ln>
+        </p:spPr>
+        <p:style>
+          <a:lnRef idx="2">
+            <a:schemeClr val="accent1">
+              <a:shade val="50000"/>
+            </a:schemeClr>
+          </a:lnRef>
+          <a:fillRef idx="1">
+            <a:schemeClr val="accent1"/>
+          </a:fillRef>
+          <a:effectRef idx="0">
+            <a:schemeClr val="accent1"/>
+          </a:effectRef>
+          <a:fontRef idx="minor">
+            <a:schemeClr val="lt1"/>
+          </a:fontRef>
+        </p:style>
+        <p:txBody>
+          <a:bodyPr rtlCol="0" anchor="ctr"/>
+          <a:lstStyle/>
+          <a:p>
+            <a:pPr algn="ctr"/>
+            <a:endParaRPr lang="ko-KR" altLang="en-US"/>
+          </a:p>
+        </p:txBody>
+      </p:sp>
+      <p:sp>
+        <p:nvSpPr>
+          <p:cNvPr id="16" name="직사각형 15"/>
+          <p:cNvSpPr/>
+          <p:nvPr/>
+        </p:nvSpPr>
+        <p:spPr>
+          <a:xfrm>
+            <a:off x="7990557" y="3000831"/>
+            <a:ext cx="1509485" cy="370113"/>
+          </a:xfrm>
+          <a:prstGeom prst="rect">
+            <a:avLst/>
+          </a:prstGeom>
+          <a:solidFill>
+            <a:schemeClr val="accent3"/>
+          </a:solidFill>
+          <a:ln>
+            <a:solidFill>
+              <a:schemeClr val="tx1"/>
+            </a:solidFill>
+          </a:ln>
+        </p:spPr>
+        <p:style>
+          <a:lnRef idx="2">
+            <a:schemeClr val="accent1">
+              <a:shade val="50000"/>
+            </a:schemeClr>
+          </a:lnRef>
+          <a:fillRef idx="1">
+            <a:schemeClr val="accent1"/>
+          </a:fillRef>
+          <a:effectRef idx="0">
+            <a:schemeClr val="accent1"/>
+          </a:effectRef>
+          <a:fontRef idx="minor">
+            <a:schemeClr val="lt1"/>
+          </a:fontRef>
+        </p:style>
+        <p:txBody>
+          <a:bodyPr rtlCol="0" anchor="ctr"/>
+          <a:lstStyle/>
+          <a:p>
+            <a:pPr algn="ctr"/>
+            <a:r>
+              <a:rPr lang="en-US" altLang="ko-KR" dirty="0" smtClean="0"/>
+              <a:t>ID</a:t>
+            </a:r>
+            <a:endParaRPr lang="ko-KR" altLang="en-US" dirty="0"/>
+          </a:p>
+        </p:txBody>
+      </p:sp>
+      <p:sp>
+        <p:nvSpPr>
+          <p:cNvPr id="21" name="직사각형 20"/>
+          <p:cNvSpPr/>
+          <p:nvPr/>
+        </p:nvSpPr>
+        <p:spPr>
+          <a:xfrm>
+            <a:off x="7990557" y="3468914"/>
+            <a:ext cx="1509485" cy="370113"/>
+          </a:xfrm>
+          <a:prstGeom prst="rect">
+            <a:avLst/>
+          </a:prstGeom>
+          <a:solidFill>
+            <a:schemeClr val="accent3"/>
+          </a:solidFill>
+          <a:ln>
+            <a:solidFill>
+              <a:schemeClr val="tx1"/>
+            </a:solidFill>
+          </a:ln>
+        </p:spPr>
+        <p:style>
+          <a:lnRef idx="2">
+            <a:schemeClr val="accent1">
+              <a:shade val="50000"/>
+            </a:schemeClr>
+          </a:lnRef>
+          <a:fillRef idx="1">
+            <a:schemeClr val="accent1"/>
+          </a:fillRef>
+          <a:effectRef idx="0">
+            <a:schemeClr val="accent1"/>
+          </a:effectRef>
+          <a:fontRef idx="minor">
+            <a:schemeClr val="lt1"/>
+          </a:fontRef>
+        </p:style>
+        <p:txBody>
+          <a:bodyPr rtlCol="0" anchor="ctr"/>
+          <a:lstStyle/>
+          <a:p>
+            <a:pPr algn="ctr"/>
+            <a:r>
+              <a:rPr lang="en-US" altLang="ko-KR" dirty="0" smtClean="0"/>
+              <a:t>Password</a:t>
+            </a:r>
+            <a:endParaRPr lang="ko-KR" altLang="en-US" dirty="0"/>
+          </a:p>
+        </p:txBody>
+      </p:sp>
+      <p:sp>
+        <p:nvSpPr>
+          <p:cNvPr id="22" name="직사각형 21"/>
+          <p:cNvSpPr/>
+          <p:nvPr/>
+        </p:nvSpPr>
+        <p:spPr>
+          <a:xfrm>
+            <a:off x="8182871" y="4111173"/>
             <a:ext cx="1124856" cy="239485"/>
+          </a:xfrm>
+          <a:prstGeom prst="rect">
+            <a:avLst/>
+          </a:prstGeom>
+          <a:solidFill>
+            <a:schemeClr val="accent3"/>
+          </a:solidFill>
+          <a:ln>
+            <a:solidFill>
+              <a:schemeClr val="tx1"/>
+            </a:solidFill>
+          </a:ln>
+        </p:spPr>
+        <p:style>
+          <a:lnRef idx="2">
+            <a:schemeClr val="accent1">
+              <a:shade val="50000"/>
+            </a:schemeClr>
+          </a:lnRef>
+          <a:fillRef idx="1">
+            <a:schemeClr val="accent1"/>
+          </a:fillRef>
+          <a:effectRef idx="0">
+            <a:schemeClr val="accent1"/>
+          </a:effectRef>
+          <a:fontRef idx="minor">
+            <a:schemeClr val="lt1"/>
+          </a:fontRef>
+        </p:style>
+        <p:txBody>
+          <a:bodyPr rtlCol="0" anchor="ctr"/>
+          <a:lstStyle/>
+          <a:p>
+            <a:pPr algn="ctr"/>
+            <a:r>
+              <a:rPr lang="ko-KR" altLang="en-US" sz="1000" dirty="0" smtClean="0">
+                <a:solidFill>
+                  <a:schemeClr val="tx1"/>
+                </a:solidFill>
+              </a:rPr>
+              <a:t>찾기 </a:t>
+            </a:r>
+            <a:r>
+              <a:rPr lang="en-US" altLang="ko-KR" sz="1000" dirty="0" smtClean="0">
+                <a:solidFill>
+                  <a:schemeClr val="tx1"/>
+                </a:solidFill>
+              </a:rPr>
+              <a:t>/ </a:t>
+            </a:r>
+            <a:r>
+              <a:rPr lang="ko-KR" altLang="en-US" sz="1000" dirty="0" smtClean="0">
+                <a:solidFill>
+                  <a:schemeClr val="tx1"/>
+                </a:solidFill>
+              </a:rPr>
+              <a:t>회원가입</a:t>
+            </a:r>
+            <a:endParaRPr lang="ko-KR" altLang="en-US" sz="1000" dirty="0">
+              <a:solidFill>
+                <a:schemeClr val="tx1"/>
+              </a:solidFill>
+            </a:endParaRPr>
+          </a:p>
+        </p:txBody>
+      </p:sp>
+      <p:sp>
+        <p:nvSpPr>
+          <p:cNvPr id="2" name="TextBox 1"/>
+          <p:cNvSpPr txBox="1"/>
+          <p:nvPr/>
+        </p:nvSpPr>
+        <p:spPr>
+          <a:xfrm>
+            <a:off x="7589152" y="5588000"/>
+            <a:ext cx="2170787" cy="646331"/>
+          </a:xfrm>
+          <a:prstGeom prst="rect">
+            <a:avLst/>
+          </a:prstGeom>
+          <a:noFill/>
+        </p:spPr>
+        <p:txBody>
+          <a:bodyPr wrap="none" rtlCol="0">
+            <a:spAutoFit/>
+          </a:bodyPr>
+          <a:lstStyle/>
+          <a:p>
+            <a:pPr marL="342900" indent="-342900">
+              <a:buAutoNum type="arabicPeriod"/>
+            </a:pPr>
+            <a:r>
+              <a:rPr lang="en-US" altLang="ko-KR" dirty="0" smtClean="0"/>
+              <a:t>ID / Password</a:t>
+            </a:r>
+          </a:p>
+          <a:p>
+            <a:pPr marL="342900" indent="-342900">
+              <a:buAutoNum type="arabicPeriod"/>
+            </a:pPr>
+            <a:r>
+              <a:rPr lang="ko-KR" altLang="en-US" dirty="0" smtClean="0"/>
+              <a:t>찾기 </a:t>
+            </a:r>
+            <a:r>
+              <a:rPr lang="en-US" altLang="ko-KR" dirty="0" smtClean="0"/>
+              <a:t>/ </a:t>
+            </a:r>
+            <a:r>
+              <a:rPr lang="ko-KR" altLang="en-US" dirty="0" smtClean="0"/>
+              <a:t>회원가입</a:t>
+            </a:r>
+            <a:endParaRPr lang="ko-KR" altLang="en-US" dirty="0"/>
+          </a:p>
+        </p:txBody>
+      </p:sp>
+      <p:sp>
+        <p:nvSpPr>
+          <p:cNvPr id="23" name="타원 22"/>
+          <p:cNvSpPr/>
+          <p:nvPr/>
+        </p:nvSpPr>
+        <p:spPr>
+          <a:xfrm>
+            <a:off x="7578272" y="1785256"/>
+            <a:ext cx="609600" cy="609600"/>
+          </a:xfrm>
+          <a:prstGeom prst="ellipse">
+            <a:avLst/>
+          </a:prstGeom>
+          <a:solidFill>
+            <a:schemeClr val="tx2"/>
+          </a:solidFill>
+          <a:ln>
+            <a:solidFill>
+              <a:schemeClr val="tx1"/>
+            </a:solidFill>
+          </a:ln>
+        </p:spPr>
+        <p:style>
+          <a:lnRef idx="2">
+            <a:schemeClr val="accent1">
+              <a:shade val="50000"/>
+            </a:schemeClr>
+          </a:lnRef>
+          <a:fillRef idx="1">
+            <a:schemeClr val="accent1"/>
+          </a:fillRef>
+          <a:effectRef idx="0">
+            <a:schemeClr val="accent1"/>
+          </a:effectRef>
+          <a:fontRef idx="minor">
+            <a:schemeClr val="lt1"/>
+          </a:fontRef>
+        </p:style>
+        <p:txBody>
+          <a:bodyPr rtlCol="0" anchor="ctr"/>
+          <a:lstStyle/>
+          <a:p>
+            <a:pPr algn="ctr"/>
+            <a:r>
+              <a:rPr lang="en-US" altLang="ko-KR" sz="1100" dirty="0" smtClean="0"/>
+              <a:t>image</a:t>
+            </a:r>
+            <a:endParaRPr lang="ko-KR" altLang="en-US" sz="1100" dirty="0"/>
+          </a:p>
+        </p:txBody>
+      </p:sp>
+      <p:sp>
+        <p:nvSpPr>
+          <p:cNvPr id="24" name="직사각형 23"/>
+          <p:cNvSpPr/>
+          <p:nvPr/>
+        </p:nvSpPr>
+        <p:spPr>
+          <a:xfrm>
+            <a:off x="8338455" y="2039257"/>
+            <a:ext cx="1509485" cy="174171"/>
+          </a:xfrm>
+          <a:prstGeom prst="rect">
+            <a:avLst/>
+          </a:prstGeom>
+          <a:solidFill>
+            <a:schemeClr val="accent3"/>
+          </a:solidFill>
+          <a:ln>
+            <a:solidFill>
+              <a:schemeClr val="tx1"/>
+            </a:solidFill>
+          </a:ln>
+        </p:spPr>
+        <p:style>
+          <a:lnRef idx="2">
+            <a:schemeClr val="accent1">
+              <a:shade val="50000"/>
+            </a:schemeClr>
+          </a:lnRef>
+          <a:fillRef idx="1">
+            <a:schemeClr val="accent1"/>
+          </a:fillRef>
+          <a:effectRef idx="0">
+            <a:schemeClr val="accent1"/>
+          </a:effectRef>
+          <a:fontRef idx="minor">
+            <a:schemeClr val="lt1"/>
+          </a:fontRef>
+        </p:style>
+        <p:txBody>
+          <a:bodyPr rtlCol="0" anchor="ctr"/>
+          <a:lstStyle/>
+          <a:p>
+            <a:pPr algn="ctr"/>
+            <a:r>
+              <a:rPr lang="en-US" altLang="ko-KR" dirty="0" smtClean="0"/>
+              <a:t>search</a:t>
+            </a:r>
+            <a:endParaRPr lang="ko-KR" altLang="en-US" dirty="0"/>
+          </a:p>
+        </p:txBody>
+      </p:sp>
+      <p:sp>
+        <p:nvSpPr>
+          <p:cNvPr id="18" name="직사각형 17"/>
+          <p:cNvSpPr/>
+          <p:nvPr/>
+        </p:nvSpPr>
+        <p:spPr>
+          <a:xfrm>
+            <a:off x="374073" y="1480455"/>
+            <a:ext cx="4921825" cy="3701143"/>
+          </a:xfrm>
+          <a:prstGeom prst="rect">
+            <a:avLst/>
+          </a:prstGeom>
+          <a:solidFill>
+            <a:schemeClr val="bg2"/>
+          </a:solidFill>
+          <a:ln>
+            <a:solidFill>
+              <a:schemeClr val="bg2"/>
+            </a:solidFill>
+          </a:ln>
+        </p:spPr>
+        <p:style>
+          <a:lnRef idx="2">
+            <a:schemeClr val="accent1">
+              <a:shade val="50000"/>
+            </a:schemeClr>
+          </a:lnRef>
+          <a:fillRef idx="1">
+            <a:schemeClr val="accent1"/>
+          </a:fillRef>
+          <a:effectRef idx="0">
+            <a:schemeClr val="accent1"/>
+          </a:effectRef>
+          <a:fontRef idx="minor">
+            <a:schemeClr val="lt1"/>
+          </a:fontRef>
+        </p:style>
+        <p:txBody>
+          <a:bodyPr rtlCol="0" anchor="ctr"/>
+          <a:lstStyle/>
+          <a:p>
+            <a:pPr algn="ctr"/>
+            <a:endParaRPr lang="ko-KR" altLang="en-US"/>
+          </a:p>
+        </p:txBody>
+      </p:sp>
+      <p:sp>
+        <p:nvSpPr>
+          <p:cNvPr id="19" name="직사각형 18"/>
+          <p:cNvSpPr/>
+          <p:nvPr/>
+        </p:nvSpPr>
+        <p:spPr>
+          <a:xfrm>
+            <a:off x="1163782" y="2258461"/>
+            <a:ext cx="3377357" cy="350937"/>
+          </a:xfrm>
+          <a:prstGeom prst="rect">
+            <a:avLst/>
+          </a:prstGeom>
+          <a:solidFill>
+            <a:schemeClr val="accent3"/>
+          </a:solidFill>
+          <a:ln>
+            <a:solidFill>
+              <a:schemeClr val="tx1"/>
+            </a:solidFill>
+          </a:ln>
+        </p:spPr>
+        <p:style>
+          <a:lnRef idx="2">
+            <a:schemeClr val="accent1">
+              <a:shade val="50000"/>
+            </a:schemeClr>
+          </a:lnRef>
+          <a:fillRef idx="1">
+            <a:schemeClr val="accent1"/>
+          </a:fillRef>
+          <a:effectRef idx="0">
+            <a:schemeClr val="accent1"/>
+          </a:effectRef>
+          <a:fontRef idx="minor">
+            <a:schemeClr val="lt1"/>
+          </a:fontRef>
+        </p:style>
+        <p:txBody>
+          <a:bodyPr rtlCol="0" anchor="ctr"/>
+          <a:lstStyle/>
+          <a:p>
+            <a:pPr algn="ctr"/>
+            <a:r>
+              <a:rPr lang="en-US" altLang="ko-KR" dirty="0" smtClean="0"/>
+              <a:t>search</a:t>
+            </a:r>
+            <a:endParaRPr lang="ko-KR" altLang="en-US" dirty="0"/>
+          </a:p>
+        </p:txBody>
+      </p:sp>
+      <p:sp>
+        <p:nvSpPr>
+          <p:cNvPr id="20" name="타원 19"/>
+          <p:cNvSpPr/>
+          <p:nvPr/>
+        </p:nvSpPr>
+        <p:spPr>
+          <a:xfrm>
+            <a:off x="2160797" y="1926908"/>
+            <a:ext cx="1509485" cy="275771"/>
+          </a:xfrm>
+          <a:prstGeom prst="ellipse">
+            <a:avLst/>
+          </a:prstGeom>
+          <a:solidFill>
+            <a:schemeClr val="accent3"/>
+          </a:solidFill>
+          <a:ln>
+            <a:solidFill>
+              <a:schemeClr val="tx1"/>
+            </a:solidFill>
+          </a:ln>
+        </p:spPr>
+        <p:style>
+          <a:lnRef idx="2">
+            <a:schemeClr val="accent1">
+              <a:shade val="50000"/>
+            </a:schemeClr>
+          </a:lnRef>
+          <a:fillRef idx="1">
+            <a:schemeClr val="accent1"/>
+          </a:fillRef>
+          <a:effectRef idx="0">
+            <a:schemeClr val="accent1"/>
+          </a:effectRef>
+          <a:fontRef idx="minor">
+            <a:schemeClr val="lt1"/>
+          </a:fontRef>
+        </p:style>
+        <p:txBody>
+          <a:bodyPr rtlCol="0" anchor="ctr"/>
+          <a:lstStyle/>
+          <a:p>
+            <a:pPr algn="ctr"/>
+            <a:r>
+              <a:rPr lang="en-US" altLang="ko-KR" dirty="0" smtClean="0"/>
+              <a:t>image</a:t>
+            </a:r>
+            <a:endParaRPr lang="ko-KR" altLang="en-US" dirty="0"/>
+          </a:p>
+        </p:txBody>
+      </p:sp>
+      <p:sp>
+        <p:nvSpPr>
+          <p:cNvPr id="25" name="직사각형 24"/>
+          <p:cNvSpPr/>
+          <p:nvPr/>
+        </p:nvSpPr>
+        <p:spPr>
+          <a:xfrm>
+            <a:off x="4668640" y="2039257"/>
+            <a:ext cx="569043" cy="3007368"/>
+          </a:xfrm>
+          <a:prstGeom prst="rect">
+            <a:avLst/>
+          </a:prstGeom>
+          <a:solidFill>
+            <a:schemeClr val="accent3"/>
+          </a:solidFill>
+          <a:ln>
+            <a:solidFill>
+              <a:schemeClr val="tx1"/>
+            </a:solidFill>
+          </a:ln>
+        </p:spPr>
+        <p:style>
+          <a:lnRef idx="2">
+            <a:schemeClr val="accent1">
+              <a:shade val="50000"/>
+            </a:schemeClr>
+          </a:lnRef>
+          <a:fillRef idx="1">
+            <a:schemeClr val="accent1"/>
+          </a:fillRef>
+          <a:effectRef idx="0">
+            <a:schemeClr val="accent1"/>
+          </a:effectRef>
+          <a:fontRef idx="minor">
+            <a:schemeClr val="lt1"/>
+          </a:fontRef>
+        </p:style>
+        <p:txBody>
+          <a:bodyPr rtlCol="0" anchor="ctr"/>
+          <a:lstStyle/>
+          <a:p>
+            <a:pPr algn="ctr"/>
+            <a:r>
+              <a:rPr lang="en-US" altLang="ko-KR" dirty="0" smtClean="0"/>
+              <a:t>Real time Ranking</a:t>
+            </a:r>
+            <a:endParaRPr lang="ko-KR" altLang="en-US" dirty="0"/>
+          </a:p>
+        </p:txBody>
+      </p:sp>
+      <p:sp>
+        <p:nvSpPr>
+          <p:cNvPr id="26" name="직사각형 25"/>
+          <p:cNvSpPr/>
+          <p:nvPr/>
+        </p:nvSpPr>
+        <p:spPr>
+          <a:xfrm>
+            <a:off x="1687819" y="3000831"/>
+            <a:ext cx="2253234" cy="1014622"/>
+          </a:xfrm>
+          <a:prstGeom prst="rect">
+            <a:avLst/>
+          </a:prstGeom>
+          <a:solidFill>
+            <a:schemeClr val="accent3"/>
+          </a:solidFill>
+          <a:ln>
+            <a:solidFill>
+              <a:schemeClr val="tx1"/>
+            </a:solidFill>
+          </a:ln>
+        </p:spPr>
+        <p:style>
+          <a:lnRef idx="2">
+            <a:schemeClr val="accent1">
+              <a:shade val="50000"/>
+            </a:schemeClr>
+          </a:lnRef>
+          <a:fillRef idx="1">
+            <a:schemeClr val="accent1"/>
+          </a:fillRef>
+          <a:effectRef idx="0">
+            <a:schemeClr val="accent1"/>
+          </a:effectRef>
+          <a:fontRef idx="minor">
+            <a:schemeClr val="lt1"/>
+          </a:fontRef>
+        </p:style>
+        <p:txBody>
+          <a:bodyPr rtlCol="0" anchor="ctr"/>
+          <a:lstStyle/>
+          <a:p>
+            <a:pPr algn="ctr"/>
+            <a:r>
+              <a:rPr lang="en-US" altLang="ko-KR" dirty="0" smtClean="0"/>
+              <a:t>Hot Ranking</a:t>
+            </a:r>
+            <a:endParaRPr lang="ko-KR" altLang="en-US" dirty="0"/>
+          </a:p>
+        </p:txBody>
+      </p:sp>
+      <p:sp>
+        <p:nvSpPr>
+          <p:cNvPr id="27" name="직사각형 26"/>
+          <p:cNvSpPr/>
+          <p:nvPr/>
+        </p:nvSpPr>
+        <p:spPr>
+          <a:xfrm>
+            <a:off x="4301672" y="1551443"/>
+            <a:ext cx="899883" cy="260566"/>
           </a:xfrm>
           <a:prstGeom prst="rect">
             <a:avLst/>
@@ -5635,62 +6638,14 @@
       </p:sp>
       <p:sp>
         <p:nvSpPr>
-          <p:cNvPr id="13" name="직사각형 12"/>
+          <p:cNvPr id="28" name="직사각형 27"/>
           <p:cNvSpPr/>
           <p:nvPr/>
         </p:nvSpPr>
         <p:spPr>
           <a:xfrm>
-            <a:off x="7302945" y="1480455"/>
-            <a:ext cx="2743200" cy="3701143"/>
-          </a:xfrm>
-          <a:prstGeom prst="rect">
-            <a:avLst/>
-          </a:prstGeom>
-          <a:solidFill>
-            <a:schemeClr val="bg2"/>
-          </a:solidFill>
-          <a:ln>
-            <a:solidFill>
-              <a:schemeClr val="bg2"/>
-            </a:solidFill>
-          </a:ln>
-        </p:spPr>
-        <p:style>
-          <a:lnRef idx="2">
-            <a:schemeClr val="accent1">
-              <a:shade val="50000"/>
-            </a:schemeClr>
-          </a:lnRef>
-          <a:fillRef idx="1">
-            <a:schemeClr val="accent1"/>
-          </a:fillRef>
-          <a:effectRef idx="0">
-            <a:schemeClr val="accent1"/>
-          </a:effectRef>
-          <a:fontRef idx="minor">
-            <a:schemeClr val="lt1"/>
-          </a:fontRef>
-        </p:style>
-        <p:txBody>
-          <a:bodyPr rtlCol="0" anchor="ctr"/>
-          <a:lstStyle/>
-          <a:p>
-            <a:pPr algn="ctr"/>
-            <a:endParaRPr lang="ko-KR" altLang="en-US"/>
-          </a:p>
-        </p:txBody>
-      </p:sp>
-      <p:sp>
-        <p:nvSpPr>
-          <p:cNvPr id="14" name="직사각형 13"/>
-          <p:cNvSpPr/>
-          <p:nvPr/>
-        </p:nvSpPr>
-        <p:spPr>
-          <a:xfrm>
-            <a:off x="3955141" y="2841172"/>
-            <a:ext cx="870857" cy="1582057"/>
+            <a:off x="1698650" y="4111173"/>
+            <a:ext cx="2231572" cy="1014622"/>
           </a:xfrm>
           <a:prstGeom prst="rect">
             <a:avLst/>
@@ -5727,7 +6682,7 @@
             <a:pPr algn="ctr"/>
             <a:r>
               <a:rPr lang="en-US" altLang="ko-KR" dirty="0" smtClean="0"/>
-              <a:t>Real time Ranking</a:t>
+              <a:t>Hot Ranking</a:t>
             </a:r>
             <a:endParaRPr lang="ko-KR" altLang="en-US" dirty="0"/>
           </a:p>
@@ -5735,14 +6690,14 @@
       </p:sp>
       <p:sp>
         <p:nvSpPr>
-          <p:cNvPr id="15" name="직사각형 14"/>
+          <p:cNvPr id="29" name="직사각형 28"/>
           <p:cNvSpPr/>
           <p:nvPr/>
         </p:nvSpPr>
         <p:spPr>
           <a:xfrm>
-            <a:off x="2402112" y="2841172"/>
-            <a:ext cx="1371598" cy="1582057"/>
+            <a:off x="513624" y="1559619"/>
+            <a:ext cx="1509485" cy="174171"/>
           </a:xfrm>
           <a:prstGeom prst="rect">
             <a:avLst/>
@@ -5778,8 +6733,8 @@
           <a:p>
             <a:pPr algn="ctr"/>
             <a:r>
-              <a:rPr lang="en-US" altLang="ko-KR" dirty="0" smtClean="0"/>
-              <a:t>Hot Ranking</a:t>
+              <a:rPr lang="ko-KR" altLang="en-US" dirty="0" err="1" smtClean="0"/>
+              <a:t>사이트이름</a:t>
             </a:r>
             <a:endParaRPr lang="ko-KR" altLang="en-US" dirty="0"/>
           </a:p>
@@ -5787,14 +6742,14 @@
       </p:sp>
       <p:sp>
         <p:nvSpPr>
-          <p:cNvPr id="16" name="직사각형 15"/>
+          <p:cNvPr id="30" name="직사각형 29"/>
           <p:cNvSpPr/>
           <p:nvPr/>
         </p:nvSpPr>
         <p:spPr>
           <a:xfrm>
-            <a:off x="7990557" y="3000831"/>
-            <a:ext cx="1509485" cy="370113"/>
+            <a:off x="2126344" y="1559619"/>
+            <a:ext cx="2057398" cy="223960"/>
           </a:xfrm>
           <a:prstGeom prst="rect">
             <a:avLst/>
@@ -5830,8 +6785,142 @@
           <a:p>
             <a:pPr algn="ctr"/>
             <a:r>
+              <a:rPr lang="ko-KR" altLang="en-US" dirty="0" smtClean="0"/>
+              <a:t>카테고리</a:t>
+            </a:r>
+            <a:endParaRPr lang="ko-KR" altLang="en-US" dirty="0"/>
+          </a:p>
+        </p:txBody>
+      </p:sp>
+      <p:sp>
+        <p:nvSpPr>
+          <p:cNvPr id="8" name="TextBox 7"/>
+          <p:cNvSpPr txBox="1"/>
+          <p:nvPr/>
+        </p:nvSpPr>
+        <p:spPr>
+          <a:xfrm>
+            <a:off x="1494298" y="606589"/>
+            <a:ext cx="9547742" cy="369332"/>
+          </a:xfrm>
+          <a:prstGeom prst="rect">
+            <a:avLst/>
+          </a:prstGeom>
+          <a:noFill/>
+        </p:spPr>
+        <p:txBody>
+          <a:bodyPr wrap="none" rtlCol="0">
+            <a:spAutoFit/>
+          </a:bodyPr>
+          <a:lstStyle/>
+          <a:p>
+            <a:r>
+              <a:rPr lang="ko-KR" altLang="en-US" dirty="0" smtClean="0"/>
+              <a:t>메뉴 </a:t>
+            </a:r>
+            <a:r>
               <a:rPr lang="en-US" altLang="ko-KR" dirty="0" smtClean="0"/>
-              <a:t>ID</a:t>
+              <a:t>bar : </a:t>
+            </a:r>
+            <a:r>
+              <a:rPr lang="ko-KR" altLang="en-US" dirty="0" smtClean="0"/>
+              <a:t>카테고리</a:t>
+            </a:r>
+            <a:r>
+              <a:rPr lang="en-US" altLang="ko-KR" dirty="0" smtClean="0"/>
+              <a:t>(</a:t>
+            </a:r>
+            <a:r>
+              <a:rPr lang="ko-KR" altLang="en-US" dirty="0" smtClean="0"/>
+              <a:t>문화</a:t>
+            </a:r>
+            <a:r>
+              <a:rPr lang="en-US" altLang="ko-KR" dirty="0" smtClean="0"/>
+              <a:t>(</a:t>
+            </a:r>
+            <a:r>
+              <a:rPr lang="ko-KR" altLang="en-US" dirty="0" smtClean="0"/>
+              <a:t>웹툰</a:t>
+            </a:r>
+            <a:r>
+              <a:rPr lang="en-US" altLang="ko-KR" dirty="0" smtClean="0"/>
+              <a:t>,</a:t>
+            </a:r>
+            <a:r>
+              <a:rPr lang="ko-KR" altLang="en-US" dirty="0" smtClean="0"/>
+              <a:t>영화</a:t>
+            </a:r>
+            <a:r>
+              <a:rPr lang="en-US" altLang="ko-KR" dirty="0" smtClean="0"/>
+              <a:t>,</a:t>
+            </a:r>
+            <a:r>
+              <a:rPr lang="ko-KR" altLang="en-US" dirty="0" smtClean="0"/>
+              <a:t>드라마</a:t>
+            </a:r>
+            <a:r>
+              <a:rPr lang="en-US" altLang="ko-KR" dirty="0" smtClean="0"/>
+              <a:t>),</a:t>
+            </a:r>
+            <a:r>
+              <a:rPr lang="ko-KR" altLang="en-US" dirty="0" smtClean="0"/>
+              <a:t>게임</a:t>
+            </a:r>
+            <a:r>
+              <a:rPr lang="en-US" altLang="ko-KR" dirty="0" smtClean="0"/>
+              <a:t>(</a:t>
+            </a:r>
+            <a:r>
+              <a:rPr lang="ko-KR" altLang="en-US" dirty="0" smtClean="0"/>
+              <a:t>롤</a:t>
+            </a:r>
+            <a:r>
+              <a:rPr lang="en-US" altLang="ko-KR" dirty="0" smtClean="0"/>
+              <a:t>),</a:t>
+            </a:r>
+            <a:r>
+              <a:rPr lang="ko-KR" altLang="en-US" dirty="0" smtClean="0"/>
+              <a:t>스포츠</a:t>
+            </a:r>
+            <a:r>
+              <a:rPr lang="en-US" altLang="ko-KR" dirty="0" smtClean="0"/>
+              <a:t>(</a:t>
+            </a:r>
+            <a:r>
+              <a:rPr lang="ko-KR" altLang="en-US" dirty="0" smtClean="0"/>
+              <a:t>등등</a:t>
+            </a:r>
+            <a:r>
+              <a:rPr lang="en-US" altLang="ko-KR" dirty="0" smtClean="0"/>
+              <a:t>) , </a:t>
+            </a:r>
+            <a:r>
+              <a:rPr lang="ko-KR" altLang="en-US" dirty="0" smtClean="0"/>
+              <a:t>커뮤니티 </a:t>
+            </a:r>
+            <a:r>
+              <a:rPr lang="en-US" altLang="ko-KR" dirty="0" smtClean="0"/>
+              <a:t>, </a:t>
+            </a:r>
+            <a:r>
+              <a:rPr lang="ko-KR" altLang="en-US" dirty="0" err="1" smtClean="0"/>
+              <a:t>공지창</a:t>
+            </a:r>
+            <a:r>
+              <a:rPr lang="ko-KR" altLang="en-US" dirty="0" smtClean="0"/>
+              <a:t> </a:t>
+            </a:r>
+            <a:r>
+              <a:rPr lang="en-US" altLang="ko-KR" dirty="0" smtClean="0"/>
+              <a:t>, </a:t>
+            </a:r>
+            <a:r>
+              <a:rPr lang="ko-KR" altLang="en-US" dirty="0" smtClean="0"/>
+              <a:t>지역</a:t>
+            </a:r>
+            <a:r>
+              <a:rPr lang="en-US" altLang="ko-KR" dirty="0" smtClean="0"/>
+              <a:t> </a:t>
             </a:r>
             <a:endParaRPr lang="ko-KR" altLang="en-US" dirty="0"/>
           </a:p>
@@ -5839,14 +6928,14 @@
       </p:sp>
       <p:sp>
         <p:nvSpPr>
-          <p:cNvPr id="21" name="직사각형 20"/>
+          <p:cNvPr id="32" name="직사각형 31"/>
           <p:cNvSpPr/>
           <p:nvPr/>
         </p:nvSpPr>
         <p:spPr>
           <a:xfrm>
-            <a:off x="7990557" y="3468914"/>
-            <a:ext cx="1509485" cy="370113"/>
+            <a:off x="2484853" y="2685645"/>
+            <a:ext cx="861372" cy="200213"/>
           </a:xfrm>
           <a:prstGeom prst="rect">
             <a:avLst/>
@@ -5882,23 +6971,23 @@
           <a:p>
             <a:pPr algn="ctr"/>
             <a:r>
-              <a:rPr lang="en-US" altLang="ko-KR" dirty="0" smtClean="0"/>
-              <a:t>Password</a:t>
-            </a:r>
-            <a:endParaRPr lang="ko-KR" altLang="en-US" dirty="0"/>
-          </a:p>
-        </p:txBody>
-      </p:sp>
-      <p:sp>
-        <p:nvSpPr>
-          <p:cNvPr id="22" name="직사각형 21"/>
+              <a:rPr lang="ko-KR" altLang="en-US" sz="1400" dirty="0" smtClean="0"/>
+              <a:t>선택</a:t>
+            </a:r>
+            <a:endParaRPr lang="ko-KR" altLang="en-US" sz="1400" dirty="0"/>
+          </a:p>
+        </p:txBody>
+      </p:sp>
+      <p:sp>
+        <p:nvSpPr>
+          <p:cNvPr id="33" name="직사각형 32"/>
           <p:cNvSpPr/>
           <p:nvPr/>
         </p:nvSpPr>
         <p:spPr>
           <a:xfrm>
-            <a:off x="8182871" y="4111173"/>
-            <a:ext cx="1124856" cy="239485"/>
+            <a:off x="7919802" y="1534723"/>
+            <a:ext cx="1509485" cy="174171"/>
           </a:xfrm>
           <a:prstGeom prst="rect">
             <a:avLst/>
@@ -5934,186 +7023,8 @@
           <a:p>
             <a:pPr algn="ctr"/>
             <a:r>
-              <a:rPr lang="ko-KR" altLang="en-US" sz="1000" dirty="0" smtClean="0">
-                <a:solidFill>
-                  <a:schemeClr val="tx1"/>
-                </a:solidFill>
-              </a:rPr>
-              <a:t>찾기 </a:t>
-            </a:r>
-            <a:r>
-              <a:rPr lang="en-US" altLang="ko-KR" sz="1000" dirty="0" smtClean="0">
-                <a:solidFill>
-                  <a:schemeClr val="tx1"/>
-                </a:solidFill>
-              </a:rPr>
-              <a:t>/ </a:t>
-            </a:r>
-            <a:r>
-              <a:rPr lang="ko-KR" altLang="en-US" sz="1000" dirty="0" smtClean="0">
-                <a:solidFill>
-                  <a:schemeClr val="tx1"/>
-                </a:solidFill>
-              </a:rPr>
-              <a:t>회원가입</a:t>
-            </a:r>
-            <a:endParaRPr lang="ko-KR" altLang="en-US" sz="1000" dirty="0">
-              <a:solidFill>
-                <a:schemeClr val="tx1"/>
-              </a:solidFill>
-            </a:endParaRPr>
-          </a:p>
-        </p:txBody>
-      </p:sp>
-      <p:sp>
-        <p:nvSpPr>
-          <p:cNvPr id="2" name="TextBox 1"/>
-          <p:cNvSpPr txBox="1"/>
-          <p:nvPr/>
-        </p:nvSpPr>
-        <p:spPr>
-          <a:xfrm>
-            <a:off x="7589152" y="5588000"/>
-            <a:ext cx="2170787" cy="646331"/>
-          </a:xfrm>
-          <a:prstGeom prst="rect">
-            <a:avLst/>
-          </a:prstGeom>
-          <a:noFill/>
-        </p:spPr>
-        <p:txBody>
-          <a:bodyPr wrap="none" rtlCol="0">
-            <a:spAutoFit/>
-          </a:bodyPr>
-          <a:lstStyle/>
-          <a:p>
-            <a:pPr marL="342900" indent="-342900">
-              <a:buAutoNum type="arabicPeriod"/>
-            </a:pPr>
-            <a:r>
-              <a:rPr lang="en-US" altLang="ko-KR" dirty="0" smtClean="0"/>
-              <a:t>ID / Password</a:t>
-            </a:r>
-          </a:p>
-          <a:p>
-            <a:pPr marL="342900" indent="-342900">
-              <a:buAutoNum type="arabicPeriod"/>
-            </a:pPr>
-            <a:r>
-              <a:rPr lang="ko-KR" altLang="en-US" dirty="0" smtClean="0"/>
-              <a:t>찾기 </a:t>
-            </a:r>
-            <a:r>
-              <a:rPr lang="en-US" altLang="ko-KR" dirty="0" smtClean="0"/>
-              <a:t>/ </a:t>
-            </a:r>
-            <a:r>
-              <a:rPr lang="ko-KR" altLang="en-US" dirty="0" smtClean="0"/>
-              <a:t>회원가입</a:t>
-            </a:r>
-            <a:endParaRPr lang="ko-KR" altLang="en-US" dirty="0"/>
-          </a:p>
-        </p:txBody>
-      </p:sp>
-      <p:sp>
-        <p:nvSpPr>
-          <p:cNvPr id="23" name="타원 22"/>
-          <p:cNvSpPr/>
-          <p:nvPr/>
-        </p:nvSpPr>
-        <p:spPr>
-          <a:xfrm>
-            <a:off x="7578272" y="1785256"/>
-            <a:ext cx="609600" cy="609600"/>
-          </a:xfrm>
-          <a:prstGeom prst="ellipse">
-            <a:avLst/>
-          </a:prstGeom>
-          <a:solidFill>
-            <a:schemeClr val="tx2"/>
-          </a:solidFill>
-          <a:ln>
-            <a:solidFill>
-              <a:schemeClr val="tx1"/>
-            </a:solidFill>
-          </a:ln>
-        </p:spPr>
-        <p:style>
-          <a:lnRef idx="2">
-            <a:schemeClr val="accent1">
-              <a:shade val="50000"/>
-            </a:schemeClr>
-          </a:lnRef>
-          <a:fillRef idx="1">
-            <a:schemeClr val="accent1"/>
-          </a:fillRef>
-          <a:effectRef idx="0">
-            <a:schemeClr val="accent1"/>
-          </a:effectRef>
-          <a:fontRef idx="minor">
-            <a:schemeClr val="lt1"/>
-          </a:fontRef>
-        </p:style>
-        <p:txBody>
-          <a:bodyPr rtlCol="0" anchor="ctr"/>
-          <a:lstStyle/>
-          <a:p>
-            <a:pPr algn="ctr"/>
-            <a:r>
-              <a:rPr lang="en-US" altLang="ko-KR" sz="1100" dirty="0" smtClean="0"/>
-              <a:t>image</a:t>
-            </a:r>
-            <a:endParaRPr lang="ko-KR" altLang="en-US" sz="1100" dirty="0"/>
-          </a:p>
-        </p:txBody>
-      </p:sp>
-      <p:sp>
-        <p:nvSpPr>
-          <p:cNvPr id="24" name="직사각형 23"/>
-          <p:cNvSpPr/>
-          <p:nvPr/>
-        </p:nvSpPr>
-        <p:spPr>
-          <a:xfrm>
-            <a:off x="8338455" y="2039257"/>
-            <a:ext cx="1509485" cy="174171"/>
-          </a:xfrm>
-          <a:prstGeom prst="rect">
-            <a:avLst/>
-          </a:prstGeom>
-          <a:solidFill>
-            <a:schemeClr val="accent3"/>
-          </a:solidFill>
-          <a:ln>
-            <a:solidFill>
-              <a:schemeClr val="tx1"/>
-            </a:solidFill>
-          </a:ln>
-        </p:spPr>
-        <p:style>
-          <a:lnRef idx="2">
-            <a:schemeClr val="accent1">
-              <a:shade val="50000"/>
-            </a:schemeClr>
-          </a:lnRef>
-          <a:fillRef idx="1">
-            <a:schemeClr val="accent1"/>
-          </a:fillRef>
-          <a:effectRef idx="0">
-            <a:schemeClr val="accent1"/>
-          </a:effectRef>
-          <a:fontRef idx="minor">
-            <a:schemeClr val="lt1"/>
-          </a:fontRef>
-        </p:style>
-        <p:txBody>
-          <a:bodyPr rtlCol="0" anchor="ctr"/>
-          <a:lstStyle/>
-          <a:p>
-            <a:pPr algn="ctr"/>
-            <a:r>
-              <a:rPr lang="en-US" altLang="ko-KR" dirty="0" smtClean="0"/>
-              <a:t>search</a:t>
+              <a:rPr lang="ko-KR" altLang="en-US" dirty="0" err="1" smtClean="0"/>
+              <a:t>사이트이름</a:t>
             </a:r>
             <a:endParaRPr lang="ko-KR" altLang="en-US" dirty="0"/>
           </a:p>
@@ -6205,7 +7116,7 @@
         </p:nvSpPr>
         <p:spPr>
           <a:xfrm>
-            <a:off x="2591243" y="3000831"/>
+            <a:off x="2591242" y="2777672"/>
             <a:ext cx="1509485" cy="370113"/>
           </a:xfrm>
           <a:prstGeom prst="rect">
@@ -6257,7 +7168,7 @@
         </p:nvSpPr>
         <p:spPr>
           <a:xfrm>
-            <a:off x="2591243" y="3468914"/>
+            <a:off x="2591241" y="3367564"/>
             <a:ext cx="1509485" cy="370113"/>
           </a:xfrm>
           <a:prstGeom prst="rect">
@@ -6379,110 +7290,6 @@
       </p:sp>
       <p:sp>
         <p:nvSpPr>
-          <p:cNvPr id="8" name="타원 7"/>
-          <p:cNvSpPr/>
-          <p:nvPr/>
-        </p:nvSpPr>
-        <p:spPr>
-          <a:xfrm>
-            <a:off x="2178958" y="1785256"/>
-            <a:ext cx="609600" cy="609600"/>
-          </a:xfrm>
-          <a:prstGeom prst="ellipse">
-            <a:avLst/>
-          </a:prstGeom>
-          <a:solidFill>
-            <a:schemeClr val="tx2"/>
-          </a:solidFill>
-          <a:ln>
-            <a:solidFill>
-              <a:schemeClr val="tx1"/>
-            </a:solidFill>
-          </a:ln>
-        </p:spPr>
-        <p:style>
-          <a:lnRef idx="2">
-            <a:schemeClr val="accent1">
-              <a:shade val="50000"/>
-            </a:schemeClr>
-          </a:lnRef>
-          <a:fillRef idx="1">
-            <a:schemeClr val="accent1"/>
-          </a:fillRef>
-          <a:effectRef idx="0">
-            <a:schemeClr val="accent1"/>
-          </a:effectRef>
-          <a:fontRef idx="minor">
-            <a:schemeClr val="lt1"/>
-          </a:fontRef>
-        </p:style>
-        <p:txBody>
-          <a:bodyPr rtlCol="0" anchor="ctr"/>
-          <a:lstStyle/>
-          <a:p>
-            <a:pPr algn="ctr"/>
-            <a:r>
-              <a:rPr lang="en-US" altLang="ko-KR" sz="1100" dirty="0" smtClean="0"/>
-              <a:t>image</a:t>
-            </a:r>
-            <a:endParaRPr lang="ko-KR" altLang="en-US" sz="1100" dirty="0"/>
-          </a:p>
-        </p:txBody>
-      </p:sp>
-      <p:sp>
-        <p:nvSpPr>
-          <p:cNvPr id="9" name="직사각형 8"/>
-          <p:cNvSpPr/>
-          <p:nvPr/>
-        </p:nvSpPr>
-        <p:spPr>
-          <a:xfrm>
-            <a:off x="2939141" y="2039257"/>
-            <a:ext cx="1509485" cy="174171"/>
-          </a:xfrm>
-          <a:prstGeom prst="rect">
-            <a:avLst/>
-          </a:prstGeom>
-          <a:solidFill>
-            <a:schemeClr val="accent3"/>
-          </a:solidFill>
-          <a:ln>
-            <a:solidFill>
-              <a:schemeClr val="tx1"/>
-            </a:solidFill>
-          </a:ln>
-        </p:spPr>
-        <p:style>
-          <a:lnRef idx="2">
-            <a:schemeClr val="accent1">
-              <a:shade val="50000"/>
-            </a:schemeClr>
-          </a:lnRef>
-          <a:fillRef idx="1">
-            <a:schemeClr val="accent1"/>
-          </a:fillRef>
-          <a:effectRef idx="0">
-            <a:schemeClr val="accent1"/>
-          </a:effectRef>
-          <a:fontRef idx="minor">
-            <a:schemeClr val="lt1"/>
-          </a:fontRef>
-        </p:style>
-        <p:txBody>
-          <a:bodyPr rtlCol="0" anchor="ctr"/>
-          <a:lstStyle/>
-          <a:p>
-            <a:pPr algn="ctr"/>
-            <a:r>
-              <a:rPr lang="en-US" altLang="ko-KR" dirty="0" smtClean="0"/>
-              <a:t>search</a:t>
-            </a:r>
-            <a:endParaRPr lang="ko-KR" altLang="en-US" dirty="0"/>
-          </a:p>
-        </p:txBody>
-      </p:sp>
-      <p:sp>
-        <p:nvSpPr>
           <p:cNvPr id="10" name="오른쪽 화살표 9"/>
           <p:cNvSpPr/>
           <p:nvPr/>
@@ -6641,7 +7448,7 @@
         </p:nvSpPr>
         <p:spPr>
           <a:xfrm>
-            <a:off x="8679986" y="2010227"/>
+            <a:off x="8679984" y="2114583"/>
             <a:ext cx="1509485" cy="370113"/>
           </a:xfrm>
           <a:prstGeom prst="rect">
@@ -6693,7 +7500,7 @@
         </p:nvSpPr>
         <p:spPr>
           <a:xfrm>
-            <a:off x="8679986" y="2478310"/>
+            <a:off x="8679984" y="2577964"/>
             <a:ext cx="1509485" cy="370113"/>
           </a:xfrm>
           <a:prstGeom prst="rect">
@@ -6745,7 +7552,7 @@
         </p:nvSpPr>
         <p:spPr>
           <a:xfrm>
-            <a:off x="8679986" y="2946393"/>
+            <a:off x="8679984" y="3079466"/>
             <a:ext cx="1509485" cy="370113"/>
           </a:xfrm>
           <a:prstGeom prst="rect">
@@ -6797,7 +7604,7 @@
         </p:nvSpPr>
         <p:spPr>
           <a:xfrm>
-            <a:off x="8679986" y="3414476"/>
+            <a:off x="8679984" y="3599544"/>
             <a:ext cx="1509485" cy="370113"/>
           </a:xfrm>
           <a:prstGeom prst="rect">
@@ -6849,7 +7656,7 @@
         </p:nvSpPr>
         <p:spPr>
           <a:xfrm>
-            <a:off x="8679986" y="3911601"/>
+            <a:off x="8679985" y="4111173"/>
             <a:ext cx="1509485" cy="370113"/>
           </a:xfrm>
           <a:prstGeom prst="rect">
@@ -6901,7 +7708,7 @@
         </p:nvSpPr>
         <p:spPr>
           <a:xfrm>
-            <a:off x="8679986" y="4379684"/>
+            <a:off x="8679986" y="4675414"/>
             <a:ext cx="1509485" cy="370113"/>
           </a:xfrm>
           <a:prstGeom prst="rect">
@@ -6978,10 +7785,1595 @@
           </a:p>
         </p:txBody>
       </p:sp>
+      <p:sp>
+        <p:nvSpPr>
+          <p:cNvPr id="20" name="직사각형 19"/>
+          <p:cNvSpPr/>
+          <p:nvPr/>
+        </p:nvSpPr>
+        <p:spPr>
+          <a:xfrm>
+            <a:off x="2591242" y="1581443"/>
+            <a:ext cx="1509485" cy="174171"/>
+          </a:xfrm>
+          <a:prstGeom prst="rect">
+            <a:avLst/>
+          </a:prstGeom>
+          <a:solidFill>
+            <a:schemeClr val="accent3"/>
+          </a:solidFill>
+          <a:ln>
+            <a:solidFill>
+              <a:schemeClr val="tx1"/>
+            </a:solidFill>
+          </a:ln>
+        </p:spPr>
+        <p:style>
+          <a:lnRef idx="2">
+            <a:schemeClr val="accent1">
+              <a:shade val="50000"/>
+            </a:schemeClr>
+          </a:lnRef>
+          <a:fillRef idx="1">
+            <a:schemeClr val="accent1"/>
+          </a:fillRef>
+          <a:effectRef idx="0">
+            <a:schemeClr val="accent1"/>
+          </a:effectRef>
+          <a:fontRef idx="minor">
+            <a:schemeClr val="lt1"/>
+          </a:fontRef>
+        </p:style>
+        <p:txBody>
+          <a:bodyPr rtlCol="0" anchor="ctr"/>
+          <a:lstStyle/>
+          <a:p>
+            <a:pPr algn="ctr"/>
+            <a:r>
+              <a:rPr lang="ko-KR" altLang="en-US" dirty="0" err="1" smtClean="0"/>
+              <a:t>사이트이름</a:t>
+            </a:r>
+            <a:endParaRPr lang="ko-KR" altLang="en-US" dirty="0"/>
+          </a:p>
+        </p:txBody>
+      </p:sp>
+      <p:sp>
+        <p:nvSpPr>
+          <p:cNvPr id="21" name="직사각형 20"/>
+          <p:cNvSpPr/>
+          <p:nvPr/>
+        </p:nvSpPr>
+        <p:spPr>
+          <a:xfrm>
+            <a:off x="8645517" y="1565791"/>
+            <a:ext cx="1509485" cy="174171"/>
+          </a:xfrm>
+          <a:prstGeom prst="rect">
+            <a:avLst/>
+          </a:prstGeom>
+          <a:solidFill>
+            <a:schemeClr val="accent3"/>
+          </a:solidFill>
+          <a:ln>
+            <a:solidFill>
+              <a:schemeClr val="tx1"/>
+            </a:solidFill>
+          </a:ln>
+        </p:spPr>
+        <p:style>
+          <a:lnRef idx="2">
+            <a:schemeClr val="accent1">
+              <a:shade val="50000"/>
+            </a:schemeClr>
+          </a:lnRef>
+          <a:fillRef idx="1">
+            <a:schemeClr val="accent1"/>
+          </a:fillRef>
+          <a:effectRef idx="0">
+            <a:schemeClr val="accent1"/>
+          </a:effectRef>
+          <a:fontRef idx="minor">
+            <a:schemeClr val="lt1"/>
+          </a:fontRef>
+        </p:style>
+        <p:txBody>
+          <a:bodyPr rtlCol="0" anchor="ctr"/>
+          <a:lstStyle/>
+          <a:p>
+            <a:pPr algn="ctr"/>
+            <a:r>
+              <a:rPr lang="ko-KR" altLang="en-US" dirty="0" err="1" smtClean="0"/>
+              <a:t>사이트이름</a:t>
+            </a:r>
+            <a:endParaRPr lang="ko-KR" altLang="en-US" dirty="0"/>
+          </a:p>
+        </p:txBody>
+      </p:sp>
     </p:spTree>
     <p:extLst>
       <p:ext uri="{BB962C8B-B14F-4D97-AF65-F5344CB8AC3E}">
         <p14:creationId xmlns:p14="http://schemas.microsoft.com/office/powerpoint/2010/main" val="562554429"/>
+      </p:ext>
+    </p:extLst>
+  </p:cSld>
+  <p:clrMapOvr>
+    <a:masterClrMapping/>
+  </p:clrMapOvr>
+</p:sld>
+</file>
+
+<file path=ppt/slides/slide6.xml><?xml version="1.0" encoding="utf-8"?>
+<p:sld xmlns:a="http://schemas.openxmlformats.org/drawingml/2006/main" xmlns:r="http://schemas.openxmlformats.org/officeDocument/2006/relationships" xmlns:p="http://schemas.openxmlformats.org/presentationml/2006/main">
+  <p:cSld>
+    <p:spTree>
+      <p:nvGrpSpPr>
+        <p:cNvPr id="1" name=""/>
+        <p:cNvGrpSpPr/>
+        <p:nvPr/>
+      </p:nvGrpSpPr>
+      <p:grpSpPr>
+        <a:xfrm>
+          <a:off x="0" y="0"/>
+          <a:ext cx="0" cy="0"/>
+          <a:chOff x="0" y="0"/>
+          <a:chExt cx="0" cy="0"/>
+        </a:xfrm>
+      </p:grpSpPr>
+      <p:sp>
+        <p:nvSpPr>
+          <p:cNvPr id="4" name="타원 3"/>
+          <p:cNvSpPr/>
+          <p:nvPr/>
+        </p:nvSpPr>
+        <p:spPr>
+          <a:xfrm>
+            <a:off x="4937759" y="565266"/>
+            <a:ext cx="1953491" cy="1687483"/>
+          </a:xfrm>
+          <a:prstGeom prst="ellipse">
+            <a:avLst/>
+          </a:prstGeom>
+          <a:noFill/>
+        </p:spPr>
+        <p:style>
+          <a:lnRef idx="2">
+            <a:schemeClr val="accent1">
+              <a:shade val="50000"/>
+            </a:schemeClr>
+          </a:lnRef>
+          <a:fillRef idx="1">
+            <a:schemeClr val="accent1"/>
+          </a:fillRef>
+          <a:effectRef idx="0">
+            <a:schemeClr val="accent1"/>
+          </a:effectRef>
+          <a:fontRef idx="minor">
+            <a:schemeClr val="lt1"/>
+          </a:fontRef>
+        </p:style>
+        <p:txBody>
+          <a:bodyPr rtlCol="0" anchor="ctr"/>
+          <a:lstStyle/>
+          <a:p>
+            <a:pPr algn="ctr"/>
+            <a:endParaRPr lang="ko-KR" altLang="en-US"/>
+          </a:p>
+        </p:txBody>
+      </p:sp>
+      <p:sp>
+        <p:nvSpPr>
+          <p:cNvPr id="5" name="TextBox 4"/>
+          <p:cNvSpPr txBox="1"/>
+          <p:nvPr/>
+        </p:nvSpPr>
+        <p:spPr>
+          <a:xfrm>
+            <a:off x="5542447" y="1224341"/>
+            <a:ext cx="750526" cy="369332"/>
+          </a:xfrm>
+          <a:prstGeom prst="rect">
+            <a:avLst/>
+          </a:prstGeom>
+          <a:noFill/>
+        </p:spPr>
+        <p:txBody>
+          <a:bodyPr wrap="none" rtlCol="0">
+            <a:spAutoFit/>
+          </a:bodyPr>
+          <a:lstStyle/>
+          <a:p>
+            <a:r>
+              <a:rPr lang="en-US" altLang="ko-KR" dirty="0" smtClean="0"/>
+              <a:t>Index</a:t>
+            </a:r>
+          </a:p>
+        </p:txBody>
+      </p:sp>
+      <p:sp>
+        <p:nvSpPr>
+          <p:cNvPr id="16" name="타원 15"/>
+          <p:cNvSpPr/>
+          <p:nvPr/>
+        </p:nvSpPr>
+        <p:spPr>
+          <a:xfrm>
+            <a:off x="2552107" y="2978579"/>
+            <a:ext cx="1089504" cy="1097428"/>
+          </a:xfrm>
+          <a:prstGeom prst="ellipse">
+            <a:avLst/>
+          </a:prstGeom>
+          <a:noFill/>
+        </p:spPr>
+        <p:style>
+          <a:lnRef idx="2">
+            <a:schemeClr val="accent1">
+              <a:shade val="50000"/>
+            </a:schemeClr>
+          </a:lnRef>
+          <a:fillRef idx="1">
+            <a:schemeClr val="accent1"/>
+          </a:fillRef>
+          <a:effectRef idx="0">
+            <a:schemeClr val="accent1"/>
+          </a:effectRef>
+          <a:fontRef idx="minor">
+            <a:schemeClr val="lt1"/>
+          </a:fontRef>
+        </p:style>
+        <p:txBody>
+          <a:bodyPr rtlCol="0" anchor="ctr"/>
+          <a:lstStyle/>
+          <a:p>
+            <a:pPr algn="ctr"/>
+            <a:endParaRPr lang="ko-KR" altLang="en-US"/>
+          </a:p>
+        </p:txBody>
+      </p:sp>
+      <p:sp>
+        <p:nvSpPr>
+          <p:cNvPr id="17" name="TextBox 16"/>
+          <p:cNvSpPr txBox="1"/>
+          <p:nvPr/>
+        </p:nvSpPr>
+        <p:spPr>
+          <a:xfrm>
+            <a:off x="2619147" y="3404182"/>
+            <a:ext cx="1086535" cy="246221"/>
+          </a:xfrm>
+          <a:prstGeom prst="rect">
+            <a:avLst/>
+          </a:prstGeom>
+          <a:noFill/>
+        </p:spPr>
+        <p:txBody>
+          <a:bodyPr wrap="square" rtlCol="0">
+            <a:spAutoFit/>
+          </a:bodyPr>
+          <a:lstStyle/>
+          <a:p>
+            <a:r>
+              <a:rPr lang="en-US" altLang="ko-KR" sz="1000" dirty="0" smtClean="0"/>
+              <a:t>Search result</a:t>
+            </a:r>
+            <a:endParaRPr lang="ko-KR" altLang="en-US" sz="1000" dirty="0"/>
+          </a:p>
+        </p:txBody>
+      </p:sp>
+      <p:cxnSp>
+        <p:nvCxnSpPr>
+          <p:cNvPr id="19" name="직선 화살표 연결선 18"/>
+          <p:cNvCxnSpPr>
+            <a:stCxn id="4" idx="2"/>
+            <a:endCxn id="16" idx="0"/>
+          </p:cNvCxnSpPr>
+          <p:nvPr/>
+        </p:nvCxnSpPr>
+        <p:spPr>
+          <a:xfrm flipH="1">
+            <a:off x="3096859" y="1409008"/>
+            <a:ext cx="1840900" cy="1569571"/>
+          </a:xfrm>
+          <a:prstGeom prst="straightConnector1">
+            <a:avLst/>
+          </a:prstGeom>
+          <a:ln>
+            <a:tailEnd type="triangle"/>
+          </a:ln>
+        </p:spPr>
+        <p:style>
+          <a:lnRef idx="1">
+            <a:schemeClr val="accent1"/>
+          </a:lnRef>
+          <a:fillRef idx="0">
+            <a:schemeClr val="accent1"/>
+          </a:fillRef>
+          <a:effectRef idx="0">
+            <a:schemeClr val="accent1"/>
+          </a:effectRef>
+          <a:fontRef idx="minor">
+            <a:schemeClr val="tx1"/>
+          </a:fontRef>
+        </p:style>
+      </p:cxnSp>
+      <p:sp>
+        <p:nvSpPr>
+          <p:cNvPr id="20" name="타원 19"/>
+          <p:cNvSpPr/>
+          <p:nvPr/>
+        </p:nvSpPr>
+        <p:spPr>
+          <a:xfrm>
+            <a:off x="4413062" y="2978579"/>
+            <a:ext cx="1089504" cy="1097428"/>
+          </a:xfrm>
+          <a:prstGeom prst="ellipse">
+            <a:avLst/>
+          </a:prstGeom>
+          <a:noFill/>
+        </p:spPr>
+        <p:style>
+          <a:lnRef idx="2">
+            <a:schemeClr val="accent1">
+              <a:shade val="50000"/>
+            </a:schemeClr>
+          </a:lnRef>
+          <a:fillRef idx="1">
+            <a:schemeClr val="accent1"/>
+          </a:fillRef>
+          <a:effectRef idx="0">
+            <a:schemeClr val="accent1"/>
+          </a:effectRef>
+          <a:fontRef idx="minor">
+            <a:schemeClr val="lt1"/>
+          </a:fontRef>
+        </p:style>
+        <p:txBody>
+          <a:bodyPr rtlCol="0" anchor="ctr"/>
+          <a:lstStyle/>
+          <a:p>
+            <a:pPr algn="ctr"/>
+            <a:endParaRPr lang="ko-KR" altLang="en-US"/>
+          </a:p>
+        </p:txBody>
+      </p:sp>
+      <p:sp>
+        <p:nvSpPr>
+          <p:cNvPr id="21" name="TextBox 20"/>
+          <p:cNvSpPr txBox="1"/>
+          <p:nvPr/>
+        </p:nvSpPr>
+        <p:spPr>
+          <a:xfrm>
+            <a:off x="4611764" y="3404182"/>
+            <a:ext cx="692099" cy="400110"/>
+          </a:xfrm>
+          <a:prstGeom prst="rect">
+            <a:avLst/>
+          </a:prstGeom>
+          <a:noFill/>
+        </p:spPr>
+        <p:txBody>
+          <a:bodyPr wrap="square" rtlCol="0">
+            <a:spAutoFit/>
+          </a:bodyPr>
+          <a:lstStyle/>
+          <a:p>
+            <a:r>
+              <a:rPr lang="ko-KR" altLang="en-US" sz="1000" dirty="0" smtClean="0"/>
+              <a:t>로그인</a:t>
+            </a:r>
+            <a:r>
+              <a:rPr lang="en-US" altLang="ko-KR" sz="1000" dirty="0" smtClean="0"/>
+              <a:t>/</a:t>
+            </a:r>
+            <a:r>
+              <a:rPr lang="ko-KR" altLang="en-US" sz="1000" dirty="0" err="1" smtClean="0"/>
+              <a:t>내정보</a:t>
+            </a:r>
+            <a:endParaRPr lang="ko-KR" altLang="en-US" sz="1000" dirty="0"/>
+          </a:p>
+        </p:txBody>
+      </p:sp>
+      <p:sp>
+        <p:nvSpPr>
+          <p:cNvPr id="22" name="타원 21"/>
+          <p:cNvSpPr/>
+          <p:nvPr/>
+        </p:nvSpPr>
+        <p:spPr>
+          <a:xfrm>
+            <a:off x="8117788" y="2978579"/>
+            <a:ext cx="1089504" cy="1097428"/>
+          </a:xfrm>
+          <a:prstGeom prst="ellipse">
+            <a:avLst/>
+          </a:prstGeom>
+          <a:noFill/>
+        </p:spPr>
+        <p:style>
+          <a:lnRef idx="2">
+            <a:schemeClr val="accent1">
+              <a:shade val="50000"/>
+            </a:schemeClr>
+          </a:lnRef>
+          <a:fillRef idx="1">
+            <a:schemeClr val="accent1"/>
+          </a:fillRef>
+          <a:effectRef idx="0">
+            <a:schemeClr val="accent1"/>
+          </a:effectRef>
+          <a:fontRef idx="minor">
+            <a:schemeClr val="lt1"/>
+          </a:fontRef>
+        </p:style>
+        <p:txBody>
+          <a:bodyPr rtlCol="0" anchor="ctr"/>
+          <a:lstStyle/>
+          <a:p>
+            <a:pPr algn="ctr"/>
+            <a:endParaRPr lang="ko-KR" altLang="en-US"/>
+          </a:p>
+        </p:txBody>
+      </p:sp>
+      <p:sp>
+        <p:nvSpPr>
+          <p:cNvPr id="23" name="TextBox 22"/>
+          <p:cNvSpPr txBox="1"/>
+          <p:nvPr/>
+        </p:nvSpPr>
+        <p:spPr>
+          <a:xfrm>
+            <a:off x="8316490" y="3404182"/>
+            <a:ext cx="692099" cy="246221"/>
+          </a:xfrm>
+          <a:prstGeom prst="rect">
+            <a:avLst/>
+          </a:prstGeom>
+          <a:noFill/>
+        </p:spPr>
+        <p:txBody>
+          <a:bodyPr wrap="square" rtlCol="0">
+            <a:spAutoFit/>
+          </a:bodyPr>
+          <a:lstStyle/>
+          <a:p>
+            <a:r>
+              <a:rPr lang="ko-KR" altLang="en-US" sz="1000" dirty="0" smtClean="0"/>
+              <a:t>커뮤니티</a:t>
+            </a:r>
+            <a:endParaRPr lang="ko-KR" altLang="en-US" sz="1000" dirty="0"/>
+          </a:p>
+        </p:txBody>
+      </p:sp>
+      <p:cxnSp>
+        <p:nvCxnSpPr>
+          <p:cNvPr id="25" name="직선 화살표 연결선 24"/>
+          <p:cNvCxnSpPr>
+            <a:stCxn id="4" idx="4"/>
+            <a:endCxn id="20" idx="0"/>
+          </p:cNvCxnSpPr>
+          <p:nvPr/>
+        </p:nvCxnSpPr>
+        <p:spPr>
+          <a:xfrm flipH="1">
+            <a:off x="4957814" y="2252749"/>
+            <a:ext cx="956691" cy="725830"/>
+          </a:xfrm>
+          <a:prstGeom prst="straightConnector1">
+            <a:avLst/>
+          </a:prstGeom>
+          <a:ln>
+            <a:tailEnd type="triangle"/>
+          </a:ln>
+        </p:spPr>
+        <p:style>
+          <a:lnRef idx="1">
+            <a:schemeClr val="accent1"/>
+          </a:lnRef>
+          <a:fillRef idx="0">
+            <a:schemeClr val="accent1"/>
+          </a:fillRef>
+          <a:effectRef idx="0">
+            <a:schemeClr val="accent1"/>
+          </a:effectRef>
+          <a:fontRef idx="minor">
+            <a:schemeClr val="tx1"/>
+          </a:fontRef>
+        </p:style>
+      </p:cxnSp>
+      <p:cxnSp>
+        <p:nvCxnSpPr>
+          <p:cNvPr id="27" name="직선 화살표 연결선 26"/>
+          <p:cNvCxnSpPr>
+            <a:stCxn id="4" idx="6"/>
+            <a:endCxn id="22" idx="0"/>
+          </p:cNvCxnSpPr>
+          <p:nvPr/>
+        </p:nvCxnSpPr>
+        <p:spPr>
+          <a:xfrm>
+            <a:off x="6891250" y="1409008"/>
+            <a:ext cx="1771290" cy="1569571"/>
+          </a:xfrm>
+          <a:prstGeom prst="straightConnector1">
+            <a:avLst/>
+          </a:prstGeom>
+          <a:ln>
+            <a:tailEnd type="triangle"/>
+          </a:ln>
+        </p:spPr>
+        <p:style>
+          <a:lnRef idx="1">
+            <a:schemeClr val="accent1"/>
+          </a:lnRef>
+          <a:fillRef idx="0">
+            <a:schemeClr val="accent1"/>
+          </a:fillRef>
+          <a:effectRef idx="0">
+            <a:schemeClr val="accent1"/>
+          </a:effectRef>
+          <a:fontRef idx="minor">
+            <a:schemeClr val="tx1"/>
+          </a:fontRef>
+        </p:style>
+      </p:cxnSp>
+      <p:sp>
+        <p:nvSpPr>
+          <p:cNvPr id="28" name="타원 27"/>
+          <p:cNvSpPr/>
+          <p:nvPr/>
+        </p:nvSpPr>
+        <p:spPr>
+          <a:xfrm>
+            <a:off x="1670958" y="4418936"/>
+            <a:ext cx="1089504" cy="1097428"/>
+          </a:xfrm>
+          <a:prstGeom prst="ellipse">
+            <a:avLst/>
+          </a:prstGeom>
+          <a:noFill/>
+        </p:spPr>
+        <p:style>
+          <a:lnRef idx="2">
+            <a:schemeClr val="accent1">
+              <a:shade val="50000"/>
+            </a:schemeClr>
+          </a:lnRef>
+          <a:fillRef idx="1">
+            <a:schemeClr val="accent1"/>
+          </a:fillRef>
+          <a:effectRef idx="0">
+            <a:schemeClr val="accent1"/>
+          </a:effectRef>
+          <a:fontRef idx="minor">
+            <a:schemeClr val="lt1"/>
+          </a:fontRef>
+        </p:style>
+        <p:txBody>
+          <a:bodyPr rtlCol="0" anchor="ctr"/>
+          <a:lstStyle/>
+          <a:p>
+            <a:pPr algn="ctr"/>
+            <a:endParaRPr lang="ko-KR" altLang="en-US"/>
+          </a:p>
+        </p:txBody>
+      </p:sp>
+      <p:sp>
+        <p:nvSpPr>
+          <p:cNvPr id="29" name="TextBox 28"/>
+          <p:cNvSpPr txBox="1"/>
+          <p:nvPr/>
+        </p:nvSpPr>
+        <p:spPr>
+          <a:xfrm>
+            <a:off x="1737998" y="4844539"/>
+            <a:ext cx="1086535" cy="246221"/>
+          </a:xfrm>
+          <a:prstGeom prst="rect">
+            <a:avLst/>
+          </a:prstGeom>
+          <a:noFill/>
+        </p:spPr>
+        <p:txBody>
+          <a:bodyPr wrap="square" rtlCol="0">
+            <a:spAutoFit/>
+          </a:bodyPr>
+          <a:lstStyle/>
+          <a:p>
+            <a:r>
+              <a:rPr lang="ko-KR" altLang="en-US" sz="1000" dirty="0" err="1" smtClean="0"/>
+              <a:t>검색어</a:t>
+            </a:r>
+            <a:r>
+              <a:rPr lang="ko-KR" altLang="en-US" sz="1000" dirty="0" smtClean="0"/>
+              <a:t> 설명</a:t>
+            </a:r>
+            <a:endParaRPr lang="ko-KR" altLang="en-US" sz="1000" dirty="0"/>
+          </a:p>
+        </p:txBody>
+      </p:sp>
+      <p:cxnSp>
+        <p:nvCxnSpPr>
+          <p:cNvPr id="31" name="직선 화살표 연결선 30"/>
+          <p:cNvCxnSpPr>
+            <a:stCxn id="16" idx="4"/>
+            <a:endCxn id="28" idx="0"/>
+          </p:cNvCxnSpPr>
+          <p:nvPr/>
+        </p:nvCxnSpPr>
+        <p:spPr>
+          <a:xfrm flipH="1">
+            <a:off x="2215710" y="4076007"/>
+            <a:ext cx="881149" cy="342929"/>
+          </a:xfrm>
+          <a:prstGeom prst="straightConnector1">
+            <a:avLst/>
+          </a:prstGeom>
+          <a:ln>
+            <a:tailEnd type="triangle"/>
+          </a:ln>
+        </p:spPr>
+        <p:style>
+          <a:lnRef idx="1">
+            <a:schemeClr val="accent1"/>
+          </a:lnRef>
+          <a:fillRef idx="0">
+            <a:schemeClr val="accent1"/>
+          </a:fillRef>
+          <a:effectRef idx="0">
+            <a:schemeClr val="accent1"/>
+          </a:effectRef>
+          <a:fontRef idx="minor">
+            <a:schemeClr val="tx1"/>
+          </a:fontRef>
+        </p:style>
+      </p:cxnSp>
+      <p:sp>
+        <p:nvSpPr>
+          <p:cNvPr id="32" name="타원 31"/>
+          <p:cNvSpPr/>
+          <p:nvPr/>
+        </p:nvSpPr>
+        <p:spPr>
+          <a:xfrm>
+            <a:off x="3295561" y="4388605"/>
+            <a:ext cx="1089504" cy="1097428"/>
+          </a:xfrm>
+          <a:prstGeom prst="ellipse">
+            <a:avLst/>
+          </a:prstGeom>
+          <a:noFill/>
+        </p:spPr>
+        <p:style>
+          <a:lnRef idx="2">
+            <a:schemeClr val="accent1">
+              <a:shade val="50000"/>
+            </a:schemeClr>
+          </a:lnRef>
+          <a:fillRef idx="1">
+            <a:schemeClr val="accent1"/>
+          </a:fillRef>
+          <a:effectRef idx="0">
+            <a:schemeClr val="accent1"/>
+          </a:effectRef>
+          <a:fontRef idx="minor">
+            <a:schemeClr val="lt1"/>
+          </a:fontRef>
+        </p:style>
+        <p:txBody>
+          <a:bodyPr rtlCol="0" anchor="ctr"/>
+          <a:lstStyle/>
+          <a:p>
+            <a:pPr algn="ctr"/>
+            <a:endParaRPr lang="ko-KR" altLang="en-US"/>
+          </a:p>
+        </p:txBody>
+      </p:sp>
+      <p:sp>
+        <p:nvSpPr>
+          <p:cNvPr id="33" name="TextBox 32"/>
+          <p:cNvSpPr txBox="1"/>
+          <p:nvPr/>
+        </p:nvSpPr>
+        <p:spPr>
+          <a:xfrm>
+            <a:off x="3494263" y="4814208"/>
+            <a:ext cx="692099" cy="246221"/>
+          </a:xfrm>
+          <a:prstGeom prst="rect">
+            <a:avLst/>
+          </a:prstGeom>
+          <a:noFill/>
+        </p:spPr>
+        <p:txBody>
+          <a:bodyPr wrap="square" rtlCol="0">
+            <a:spAutoFit/>
+          </a:bodyPr>
+          <a:lstStyle/>
+          <a:p>
+            <a:r>
+              <a:rPr lang="ko-KR" altLang="en-US" sz="1000" dirty="0" smtClean="0"/>
+              <a:t>회원가입</a:t>
+            </a:r>
+            <a:endParaRPr lang="ko-KR" altLang="en-US" sz="1000" dirty="0"/>
+          </a:p>
+        </p:txBody>
+      </p:sp>
+      <p:sp>
+        <p:nvSpPr>
+          <p:cNvPr id="35" name="타원 34"/>
+          <p:cNvSpPr/>
+          <p:nvPr/>
+        </p:nvSpPr>
+        <p:spPr>
+          <a:xfrm>
+            <a:off x="4583767" y="4418936"/>
+            <a:ext cx="1089504" cy="1097428"/>
+          </a:xfrm>
+          <a:prstGeom prst="ellipse">
+            <a:avLst/>
+          </a:prstGeom>
+          <a:noFill/>
+        </p:spPr>
+        <p:style>
+          <a:lnRef idx="2">
+            <a:schemeClr val="accent1">
+              <a:shade val="50000"/>
+            </a:schemeClr>
+          </a:lnRef>
+          <a:fillRef idx="1">
+            <a:schemeClr val="accent1"/>
+          </a:fillRef>
+          <a:effectRef idx="0">
+            <a:schemeClr val="accent1"/>
+          </a:effectRef>
+          <a:fontRef idx="minor">
+            <a:schemeClr val="lt1"/>
+          </a:fontRef>
+        </p:style>
+        <p:txBody>
+          <a:bodyPr rtlCol="0" anchor="ctr"/>
+          <a:lstStyle/>
+          <a:p>
+            <a:pPr algn="ctr"/>
+            <a:endParaRPr lang="ko-KR" altLang="en-US"/>
+          </a:p>
+        </p:txBody>
+      </p:sp>
+      <p:sp>
+        <p:nvSpPr>
+          <p:cNvPr id="36" name="TextBox 35"/>
+          <p:cNvSpPr txBox="1"/>
+          <p:nvPr/>
+        </p:nvSpPr>
+        <p:spPr>
+          <a:xfrm>
+            <a:off x="4737355" y="4795801"/>
+            <a:ext cx="782327" cy="400110"/>
+          </a:xfrm>
+          <a:prstGeom prst="rect">
+            <a:avLst/>
+          </a:prstGeom>
+          <a:noFill/>
+        </p:spPr>
+        <p:txBody>
+          <a:bodyPr wrap="square" rtlCol="0">
+            <a:spAutoFit/>
+          </a:bodyPr>
+          <a:lstStyle/>
+          <a:p>
+            <a:r>
+              <a:rPr lang="ko-KR" altLang="en-US" sz="1000" smtClean="0"/>
+              <a:t>아이디</a:t>
+            </a:r>
+            <a:r>
+              <a:rPr lang="en-US" altLang="ko-KR" sz="1000" dirty="0" smtClean="0"/>
+              <a:t>/</a:t>
+            </a:r>
+            <a:r>
+              <a:rPr lang="ko-KR" altLang="en-US" sz="1000" dirty="0" smtClean="0"/>
+              <a:t>비번 찾기</a:t>
+            </a:r>
+            <a:endParaRPr lang="ko-KR" altLang="en-US" sz="1000" dirty="0"/>
+          </a:p>
+        </p:txBody>
+      </p:sp>
+      <p:cxnSp>
+        <p:nvCxnSpPr>
+          <p:cNvPr id="38" name="직선 화살표 연결선 37"/>
+          <p:cNvCxnSpPr>
+            <a:stCxn id="20" idx="4"/>
+            <a:endCxn id="32" idx="0"/>
+          </p:cNvCxnSpPr>
+          <p:nvPr/>
+        </p:nvCxnSpPr>
+        <p:spPr>
+          <a:xfrm flipH="1">
+            <a:off x="3840313" y="4076007"/>
+            <a:ext cx="1117501" cy="312598"/>
+          </a:xfrm>
+          <a:prstGeom prst="straightConnector1">
+            <a:avLst/>
+          </a:prstGeom>
+          <a:ln>
+            <a:tailEnd type="triangle"/>
+          </a:ln>
+        </p:spPr>
+        <p:style>
+          <a:lnRef idx="1">
+            <a:schemeClr val="accent1"/>
+          </a:lnRef>
+          <a:fillRef idx="0">
+            <a:schemeClr val="accent1"/>
+          </a:fillRef>
+          <a:effectRef idx="0">
+            <a:schemeClr val="accent1"/>
+          </a:effectRef>
+          <a:fontRef idx="minor">
+            <a:schemeClr val="tx1"/>
+          </a:fontRef>
+        </p:style>
+      </p:cxnSp>
+      <p:cxnSp>
+        <p:nvCxnSpPr>
+          <p:cNvPr id="40" name="직선 화살표 연결선 39"/>
+          <p:cNvCxnSpPr>
+            <a:stCxn id="20" idx="4"/>
+            <a:endCxn id="35" idx="0"/>
+          </p:cNvCxnSpPr>
+          <p:nvPr/>
+        </p:nvCxnSpPr>
+        <p:spPr>
+          <a:xfrm>
+            <a:off x="4957814" y="4076007"/>
+            <a:ext cx="170705" cy="342929"/>
+          </a:xfrm>
+          <a:prstGeom prst="straightConnector1">
+            <a:avLst/>
+          </a:prstGeom>
+          <a:ln>
+            <a:tailEnd type="triangle"/>
+          </a:ln>
+        </p:spPr>
+        <p:style>
+          <a:lnRef idx="1">
+            <a:schemeClr val="accent1"/>
+          </a:lnRef>
+          <a:fillRef idx="0">
+            <a:schemeClr val="accent1"/>
+          </a:fillRef>
+          <a:effectRef idx="0">
+            <a:schemeClr val="accent1"/>
+          </a:effectRef>
+          <a:fontRef idx="minor">
+            <a:schemeClr val="tx1"/>
+          </a:fontRef>
+        </p:style>
+      </p:cxnSp>
+      <p:sp>
+        <p:nvSpPr>
+          <p:cNvPr id="43" name="타원 42"/>
+          <p:cNvSpPr/>
+          <p:nvPr/>
+        </p:nvSpPr>
+        <p:spPr>
+          <a:xfrm>
+            <a:off x="7419519" y="4418936"/>
+            <a:ext cx="1089504" cy="1097428"/>
+          </a:xfrm>
+          <a:prstGeom prst="ellipse">
+            <a:avLst/>
+          </a:prstGeom>
+          <a:noFill/>
+        </p:spPr>
+        <p:style>
+          <a:lnRef idx="2">
+            <a:schemeClr val="accent1">
+              <a:shade val="50000"/>
+            </a:schemeClr>
+          </a:lnRef>
+          <a:fillRef idx="1">
+            <a:schemeClr val="accent1"/>
+          </a:fillRef>
+          <a:effectRef idx="0">
+            <a:schemeClr val="accent1"/>
+          </a:effectRef>
+          <a:fontRef idx="minor">
+            <a:schemeClr val="lt1"/>
+          </a:fontRef>
+        </p:style>
+        <p:txBody>
+          <a:bodyPr rtlCol="0" anchor="ctr"/>
+          <a:lstStyle/>
+          <a:p>
+            <a:pPr algn="ctr"/>
+            <a:endParaRPr lang="ko-KR" altLang="en-US"/>
+          </a:p>
+        </p:txBody>
+      </p:sp>
+      <p:sp>
+        <p:nvSpPr>
+          <p:cNvPr id="44" name="TextBox 43"/>
+          <p:cNvSpPr txBox="1"/>
+          <p:nvPr/>
+        </p:nvSpPr>
+        <p:spPr>
+          <a:xfrm>
+            <a:off x="7618221" y="4844539"/>
+            <a:ext cx="692099" cy="246221"/>
+          </a:xfrm>
+          <a:prstGeom prst="rect">
+            <a:avLst/>
+          </a:prstGeom>
+          <a:noFill/>
+        </p:spPr>
+        <p:txBody>
+          <a:bodyPr wrap="square" rtlCol="0">
+            <a:spAutoFit/>
+          </a:bodyPr>
+          <a:lstStyle/>
+          <a:p>
+            <a:r>
+              <a:rPr lang="ko-KR" altLang="en-US" sz="1000" dirty="0" err="1" smtClean="0"/>
+              <a:t>글작성</a:t>
+            </a:r>
+            <a:endParaRPr lang="ko-KR" altLang="en-US" sz="1000" dirty="0"/>
+          </a:p>
+        </p:txBody>
+      </p:sp>
+      <p:cxnSp>
+        <p:nvCxnSpPr>
+          <p:cNvPr id="46" name="직선 화살표 연결선 45"/>
+          <p:cNvCxnSpPr>
+            <a:stCxn id="22" idx="4"/>
+            <a:endCxn id="43" idx="0"/>
+          </p:cNvCxnSpPr>
+          <p:nvPr/>
+        </p:nvCxnSpPr>
+        <p:spPr>
+          <a:xfrm flipH="1">
+            <a:off x="7964271" y="4076007"/>
+            <a:ext cx="698269" cy="342929"/>
+          </a:xfrm>
+          <a:prstGeom prst="straightConnector1">
+            <a:avLst/>
+          </a:prstGeom>
+          <a:ln>
+            <a:tailEnd type="triangle"/>
+          </a:ln>
+        </p:spPr>
+        <p:style>
+          <a:lnRef idx="1">
+            <a:schemeClr val="accent1"/>
+          </a:lnRef>
+          <a:fillRef idx="0">
+            <a:schemeClr val="accent1"/>
+          </a:fillRef>
+          <a:effectRef idx="0">
+            <a:schemeClr val="accent1"/>
+          </a:effectRef>
+          <a:fontRef idx="minor">
+            <a:schemeClr val="tx1"/>
+          </a:fontRef>
+        </p:style>
+      </p:cxnSp>
+      <p:sp>
+        <p:nvSpPr>
+          <p:cNvPr id="53" name="타원 52"/>
+          <p:cNvSpPr/>
+          <p:nvPr/>
+        </p:nvSpPr>
+        <p:spPr>
+          <a:xfrm>
+            <a:off x="5914505" y="4418936"/>
+            <a:ext cx="1089504" cy="1097428"/>
+          </a:xfrm>
+          <a:prstGeom prst="ellipse">
+            <a:avLst/>
+          </a:prstGeom>
+          <a:noFill/>
+        </p:spPr>
+        <p:style>
+          <a:lnRef idx="2">
+            <a:schemeClr val="accent1">
+              <a:shade val="50000"/>
+            </a:schemeClr>
+          </a:lnRef>
+          <a:fillRef idx="1">
+            <a:schemeClr val="accent1"/>
+          </a:fillRef>
+          <a:effectRef idx="0">
+            <a:schemeClr val="accent1"/>
+          </a:effectRef>
+          <a:fontRef idx="minor">
+            <a:schemeClr val="lt1"/>
+          </a:fontRef>
+        </p:style>
+        <p:txBody>
+          <a:bodyPr rtlCol="0" anchor="ctr"/>
+          <a:lstStyle/>
+          <a:p>
+            <a:pPr algn="ctr"/>
+            <a:endParaRPr lang="ko-KR" altLang="en-US"/>
+          </a:p>
+        </p:txBody>
+      </p:sp>
+      <p:sp>
+        <p:nvSpPr>
+          <p:cNvPr id="54" name="TextBox 53"/>
+          <p:cNvSpPr txBox="1"/>
+          <p:nvPr/>
+        </p:nvSpPr>
+        <p:spPr>
+          <a:xfrm>
+            <a:off x="6068093" y="4795801"/>
+            <a:ext cx="823157" cy="246221"/>
+          </a:xfrm>
+          <a:prstGeom prst="rect">
+            <a:avLst/>
+          </a:prstGeom>
+          <a:noFill/>
+        </p:spPr>
+        <p:txBody>
+          <a:bodyPr wrap="square" rtlCol="0">
+            <a:spAutoFit/>
+          </a:bodyPr>
+          <a:lstStyle/>
+          <a:p>
+            <a:r>
+              <a:rPr lang="ko-KR" altLang="en-US" sz="1000" smtClean="0"/>
+              <a:t>마이페이지</a:t>
+            </a:r>
+            <a:endParaRPr lang="ko-KR" altLang="en-US" sz="1000" dirty="0"/>
+          </a:p>
+        </p:txBody>
+      </p:sp>
+      <p:cxnSp>
+        <p:nvCxnSpPr>
+          <p:cNvPr id="56" name="직선 화살표 연결선 55"/>
+          <p:cNvCxnSpPr>
+            <a:stCxn id="20" idx="4"/>
+            <a:endCxn id="53" idx="0"/>
+          </p:cNvCxnSpPr>
+          <p:nvPr/>
+        </p:nvCxnSpPr>
+        <p:spPr>
+          <a:xfrm>
+            <a:off x="4957814" y="4076007"/>
+            <a:ext cx="1501443" cy="342929"/>
+          </a:xfrm>
+          <a:prstGeom prst="straightConnector1">
+            <a:avLst/>
+          </a:prstGeom>
+          <a:ln>
+            <a:tailEnd type="triangle"/>
+          </a:ln>
+        </p:spPr>
+        <p:style>
+          <a:lnRef idx="1">
+            <a:schemeClr val="accent1"/>
+          </a:lnRef>
+          <a:fillRef idx="0">
+            <a:schemeClr val="accent1"/>
+          </a:fillRef>
+          <a:effectRef idx="0">
+            <a:schemeClr val="accent1"/>
+          </a:effectRef>
+          <a:fontRef idx="minor">
+            <a:schemeClr val="tx1"/>
+          </a:fontRef>
+        </p:style>
+      </p:cxnSp>
+      <p:sp>
+        <p:nvSpPr>
+          <p:cNvPr id="58" name="타원 57"/>
+          <p:cNvSpPr/>
+          <p:nvPr/>
+        </p:nvSpPr>
+        <p:spPr>
+          <a:xfrm>
+            <a:off x="8684945" y="4418936"/>
+            <a:ext cx="1089504" cy="1097428"/>
+          </a:xfrm>
+          <a:prstGeom prst="ellipse">
+            <a:avLst/>
+          </a:prstGeom>
+          <a:noFill/>
+        </p:spPr>
+        <p:style>
+          <a:lnRef idx="2">
+            <a:schemeClr val="accent1">
+              <a:shade val="50000"/>
+            </a:schemeClr>
+          </a:lnRef>
+          <a:fillRef idx="1">
+            <a:schemeClr val="accent1"/>
+          </a:fillRef>
+          <a:effectRef idx="0">
+            <a:schemeClr val="accent1"/>
+          </a:effectRef>
+          <a:fontRef idx="minor">
+            <a:schemeClr val="lt1"/>
+          </a:fontRef>
+        </p:style>
+        <p:txBody>
+          <a:bodyPr rtlCol="0" anchor="ctr"/>
+          <a:lstStyle/>
+          <a:p>
+            <a:pPr algn="ctr"/>
+            <a:endParaRPr lang="ko-KR" altLang="en-US"/>
+          </a:p>
+        </p:txBody>
+      </p:sp>
+      <p:sp>
+        <p:nvSpPr>
+          <p:cNvPr id="59" name="TextBox 58"/>
+          <p:cNvSpPr txBox="1"/>
+          <p:nvPr/>
+        </p:nvSpPr>
+        <p:spPr>
+          <a:xfrm>
+            <a:off x="8883647" y="4844539"/>
+            <a:ext cx="692099" cy="246221"/>
+          </a:xfrm>
+          <a:prstGeom prst="rect">
+            <a:avLst/>
+          </a:prstGeom>
+          <a:noFill/>
+        </p:spPr>
+        <p:txBody>
+          <a:bodyPr wrap="square" rtlCol="0">
+            <a:spAutoFit/>
+          </a:bodyPr>
+          <a:lstStyle/>
+          <a:p>
+            <a:r>
+              <a:rPr lang="ko-KR" altLang="en-US" sz="1000" smtClean="0"/>
+              <a:t>랭킹등록</a:t>
+            </a:r>
+            <a:endParaRPr lang="ko-KR" altLang="en-US" sz="1000" dirty="0"/>
+          </a:p>
+        </p:txBody>
+      </p:sp>
+      <p:cxnSp>
+        <p:nvCxnSpPr>
+          <p:cNvPr id="61" name="직선 화살표 연결선 60"/>
+          <p:cNvCxnSpPr>
+            <a:stCxn id="22" idx="4"/>
+            <a:endCxn id="58" idx="0"/>
+          </p:cNvCxnSpPr>
+          <p:nvPr/>
+        </p:nvCxnSpPr>
+        <p:spPr>
+          <a:xfrm>
+            <a:off x="8662540" y="4076007"/>
+            <a:ext cx="567157" cy="342929"/>
+          </a:xfrm>
+          <a:prstGeom prst="straightConnector1">
+            <a:avLst/>
+          </a:prstGeom>
+          <a:ln>
+            <a:tailEnd type="triangle"/>
+          </a:ln>
+        </p:spPr>
+        <p:style>
+          <a:lnRef idx="1">
+            <a:schemeClr val="accent1"/>
+          </a:lnRef>
+          <a:fillRef idx="0">
+            <a:schemeClr val="accent1"/>
+          </a:fillRef>
+          <a:effectRef idx="0">
+            <a:schemeClr val="accent1"/>
+          </a:effectRef>
+          <a:fontRef idx="minor">
+            <a:schemeClr val="tx1"/>
+          </a:fontRef>
+        </p:style>
+      </p:cxnSp>
+      <p:sp>
+        <p:nvSpPr>
+          <p:cNvPr id="65" name="TextBox 64"/>
+          <p:cNvSpPr txBox="1"/>
+          <p:nvPr/>
+        </p:nvSpPr>
+        <p:spPr>
+          <a:xfrm>
+            <a:off x="1173002" y="723529"/>
+            <a:ext cx="2137124" cy="369332"/>
+          </a:xfrm>
+          <a:prstGeom prst="rect">
+            <a:avLst/>
+          </a:prstGeom>
+          <a:noFill/>
+        </p:spPr>
+        <p:txBody>
+          <a:bodyPr wrap="none" rtlCol="0">
+            <a:spAutoFit/>
+          </a:bodyPr>
+          <a:lstStyle/>
+          <a:p>
+            <a:r>
+              <a:rPr lang="ko-KR" altLang="en-US" dirty="0" smtClean="0"/>
+              <a:t>메인 색상 </a:t>
+            </a:r>
+            <a:r>
+              <a:rPr lang="en-US" altLang="ko-KR" dirty="0" smtClean="0"/>
+              <a:t>: </a:t>
+            </a:r>
+            <a:r>
+              <a:rPr lang="en-US" altLang="ko-KR" dirty="0"/>
+              <a:t>FEE596</a:t>
+            </a:r>
+            <a:endParaRPr lang="ko-KR" altLang="en-US" dirty="0"/>
+          </a:p>
+        </p:txBody>
+      </p:sp>
+      <p:pic>
+        <p:nvPicPr>
+          <p:cNvPr id="70" name="그림 69"/>
+          <p:cNvPicPr>
+            <a:picLocks noChangeAspect="1"/>
+          </p:cNvPicPr>
+          <p:nvPr/>
+        </p:nvPicPr>
+        <p:blipFill>
+          <a:blip r:embed="rId2"/>
+          <a:stretch>
+            <a:fillRect/>
+          </a:stretch>
+        </p:blipFill>
+        <p:spPr>
+          <a:xfrm>
+            <a:off x="747971" y="437495"/>
+            <a:ext cx="3337196" cy="2536433"/>
+          </a:xfrm>
+          <a:prstGeom prst="rect">
+            <a:avLst/>
+          </a:prstGeom>
+        </p:spPr>
+      </p:pic>
+      <p:pic>
+        <p:nvPicPr>
+          <p:cNvPr id="71" name="그림 70"/>
+          <p:cNvPicPr>
+            <a:picLocks noChangeAspect="1"/>
+          </p:cNvPicPr>
+          <p:nvPr/>
+        </p:nvPicPr>
+        <p:blipFill>
+          <a:blip r:embed="rId3"/>
+          <a:stretch>
+            <a:fillRect/>
+          </a:stretch>
+        </p:blipFill>
+        <p:spPr>
+          <a:xfrm>
+            <a:off x="747971" y="3659044"/>
+            <a:ext cx="3291044" cy="2617210"/>
+          </a:xfrm>
+          <a:prstGeom prst="rect">
+            <a:avLst/>
+          </a:prstGeom>
+        </p:spPr>
+      </p:pic>
+      <p:pic>
+        <p:nvPicPr>
+          <p:cNvPr id="72" name="그림 71"/>
+          <p:cNvPicPr>
+            <a:picLocks noChangeAspect="1"/>
+          </p:cNvPicPr>
+          <p:nvPr/>
+        </p:nvPicPr>
+        <p:blipFill>
+          <a:blip r:embed="rId4"/>
+          <a:stretch>
+            <a:fillRect/>
+          </a:stretch>
+        </p:blipFill>
+        <p:spPr>
+          <a:xfrm>
+            <a:off x="6064434" y="3650403"/>
+            <a:ext cx="3278396" cy="2625852"/>
+          </a:xfrm>
+          <a:prstGeom prst="rect">
+            <a:avLst/>
+          </a:prstGeom>
+        </p:spPr>
+      </p:pic>
+      <p:pic>
+        <p:nvPicPr>
+          <p:cNvPr id="73" name="그림 72"/>
+          <p:cNvPicPr>
+            <a:picLocks noChangeAspect="1"/>
+          </p:cNvPicPr>
+          <p:nvPr/>
+        </p:nvPicPr>
+        <p:blipFill>
+          <a:blip r:embed="rId5"/>
+          <a:stretch>
+            <a:fillRect/>
+          </a:stretch>
+        </p:blipFill>
+        <p:spPr>
+          <a:xfrm>
+            <a:off x="6068093" y="437494"/>
+            <a:ext cx="3274737" cy="2453017"/>
+          </a:xfrm>
+          <a:prstGeom prst="rect">
+            <a:avLst/>
+          </a:prstGeom>
+        </p:spPr>
+      </p:pic>
+    </p:spTree>
+    <p:extLst>
+      <p:ext uri="{BB962C8B-B14F-4D97-AF65-F5344CB8AC3E}">
+        <p14:creationId xmlns:p14="http://schemas.microsoft.com/office/powerpoint/2010/main" val="2476514432"/>
+      </p:ext>
+    </p:extLst>
+  </p:cSld>
+  <p:clrMapOvr>
+    <a:masterClrMapping/>
+  </p:clrMapOvr>
+</p:sld>
+</file>
+
+<file path=ppt/slides/slide7.xml><?xml version="1.0" encoding="utf-8"?>
+<p:sld xmlns:a="http://schemas.openxmlformats.org/drawingml/2006/main" xmlns:r="http://schemas.openxmlformats.org/officeDocument/2006/relationships" xmlns:p="http://schemas.openxmlformats.org/presentationml/2006/main">
+  <p:cSld>
+    <p:spTree>
+      <p:nvGrpSpPr>
+        <p:cNvPr id="1" name=""/>
+        <p:cNvGrpSpPr/>
+        <p:nvPr/>
+      </p:nvGrpSpPr>
+      <p:grpSpPr>
+        <a:xfrm>
+          <a:off x="0" y="0"/>
+          <a:ext cx="0" cy="0"/>
+          <a:chOff x="0" y="0"/>
+          <a:chExt cx="0" cy="0"/>
+        </a:xfrm>
+      </p:grpSpPr>
+      <p:sp>
+        <p:nvSpPr>
+          <p:cNvPr id="4" name="직사각형 3"/>
+          <p:cNvSpPr/>
+          <p:nvPr/>
+        </p:nvSpPr>
+        <p:spPr>
+          <a:xfrm>
+            <a:off x="403167" y="2734887"/>
+            <a:ext cx="11313621" cy="1720735"/>
+          </a:xfrm>
+          <a:prstGeom prst="rect">
+            <a:avLst/>
+          </a:prstGeom>
+        </p:spPr>
+        <p:style>
+          <a:lnRef idx="2">
+            <a:schemeClr val="accent1">
+              <a:shade val="50000"/>
+            </a:schemeClr>
+          </a:lnRef>
+          <a:fillRef idx="1">
+            <a:schemeClr val="accent1"/>
+          </a:fillRef>
+          <a:effectRef idx="0">
+            <a:schemeClr val="accent1"/>
+          </a:effectRef>
+          <a:fontRef idx="minor">
+            <a:schemeClr val="lt1"/>
+          </a:fontRef>
+        </p:style>
+        <p:txBody>
+          <a:bodyPr rtlCol="0" anchor="ctr"/>
+          <a:lstStyle/>
+          <a:p>
+            <a:pPr algn="ctr"/>
+            <a:r>
+              <a:rPr lang="en-US" altLang="ko-KR" dirty="0" smtClean="0"/>
+              <a:t>Hot ranking :  </a:t>
+            </a:r>
+            <a:r>
+              <a:rPr lang="ko-KR" altLang="en-US" dirty="0" smtClean="0"/>
+              <a:t>한달 평균 투표가 많은 랭킹</a:t>
+            </a:r>
+            <a:endParaRPr lang="en-US" altLang="ko-KR" dirty="0" smtClean="0"/>
+          </a:p>
+          <a:p>
+            <a:pPr algn="ctr"/>
+            <a:r>
+              <a:rPr lang="en-US" altLang="ko-KR" dirty="0" err="1" smtClean="0"/>
+              <a:t>Realtime</a:t>
+            </a:r>
+            <a:r>
+              <a:rPr lang="en-US" altLang="ko-KR" dirty="0" smtClean="0"/>
+              <a:t> ranking : </a:t>
+            </a:r>
+            <a:r>
+              <a:rPr lang="ko-KR" altLang="en-US" dirty="0" smtClean="0"/>
+              <a:t>실시간 투표 가 많은 랭킹</a:t>
+            </a:r>
+            <a:endParaRPr lang="en-US" altLang="ko-KR" dirty="0" smtClean="0"/>
+          </a:p>
+          <a:p>
+            <a:pPr algn="ctr"/>
+            <a:endParaRPr lang="ko-KR" altLang="en-US" dirty="0"/>
+          </a:p>
+        </p:txBody>
+      </p:sp>
+      <p:sp>
+        <p:nvSpPr>
+          <p:cNvPr id="5" name="직사각형 4"/>
+          <p:cNvSpPr/>
+          <p:nvPr/>
+        </p:nvSpPr>
+        <p:spPr>
+          <a:xfrm>
+            <a:off x="4156362" y="889462"/>
+            <a:ext cx="3807229" cy="482138"/>
+          </a:xfrm>
+          <a:prstGeom prst="rect">
+            <a:avLst/>
+          </a:prstGeom>
+        </p:spPr>
+        <p:style>
+          <a:lnRef idx="2">
+            <a:schemeClr val="accent1">
+              <a:shade val="50000"/>
+            </a:schemeClr>
+          </a:lnRef>
+          <a:fillRef idx="1">
+            <a:schemeClr val="accent1"/>
+          </a:fillRef>
+          <a:effectRef idx="0">
+            <a:schemeClr val="accent1"/>
+          </a:effectRef>
+          <a:fontRef idx="minor">
+            <a:schemeClr val="lt1"/>
+          </a:fontRef>
+        </p:style>
+        <p:txBody>
+          <a:bodyPr rtlCol="0" anchor="ctr"/>
+          <a:lstStyle/>
+          <a:p>
+            <a:pPr algn="ctr"/>
+            <a:r>
+              <a:rPr lang="ko-KR" altLang="en-US" dirty="0" err="1" smtClean="0"/>
+              <a:t>용어정의</a:t>
+            </a:r>
+            <a:endParaRPr lang="ko-KR" altLang="en-US" dirty="0"/>
+          </a:p>
+        </p:txBody>
+      </p:sp>
+    </p:spTree>
+    <p:extLst>
+      <p:ext uri="{BB962C8B-B14F-4D97-AF65-F5344CB8AC3E}">
+        <p14:creationId xmlns:p14="http://schemas.microsoft.com/office/powerpoint/2010/main" val="1965642840"/>
+      </p:ext>
+    </p:extLst>
+  </p:cSld>
+  <p:clrMapOvr>
+    <a:masterClrMapping/>
+  </p:clrMapOvr>
+</p:sld>
+</file>
+
+<file path=ppt/slides/slide8.xml><?xml version="1.0" encoding="utf-8"?>
+<p:sld xmlns:a="http://schemas.openxmlformats.org/drawingml/2006/main" xmlns:r="http://schemas.openxmlformats.org/officeDocument/2006/relationships" xmlns:p="http://schemas.openxmlformats.org/presentationml/2006/main">
+  <p:cSld>
+    <p:spTree>
+      <p:nvGrpSpPr>
+        <p:cNvPr id="1" name=""/>
+        <p:cNvGrpSpPr/>
+        <p:nvPr/>
+      </p:nvGrpSpPr>
+      <p:grpSpPr>
+        <a:xfrm>
+          <a:off x="0" y="0"/>
+          <a:ext cx="0" cy="0"/>
+          <a:chOff x="0" y="0"/>
+          <a:chExt cx="0" cy="0"/>
+        </a:xfrm>
+      </p:grpSpPr>
+      <p:sp>
+        <p:nvSpPr>
+          <p:cNvPr id="4" name="직사각형 3"/>
+          <p:cNvSpPr/>
+          <p:nvPr/>
+        </p:nvSpPr>
+        <p:spPr>
+          <a:xfrm>
+            <a:off x="465513" y="332509"/>
+            <a:ext cx="11139054" cy="1072342"/>
+          </a:xfrm>
+          <a:prstGeom prst="rect">
+            <a:avLst/>
+          </a:prstGeom>
+          <a:solidFill>
+            <a:schemeClr val="accent4">
+              <a:lumMod val="40000"/>
+              <a:lumOff val="60000"/>
+            </a:schemeClr>
+          </a:solidFill>
+        </p:spPr>
+        <p:style>
+          <a:lnRef idx="2">
+            <a:schemeClr val="accent1">
+              <a:shade val="50000"/>
+            </a:schemeClr>
+          </a:lnRef>
+          <a:fillRef idx="1">
+            <a:schemeClr val="accent1"/>
+          </a:fillRef>
+          <a:effectRef idx="0">
+            <a:schemeClr val="accent1"/>
+          </a:effectRef>
+          <a:fontRef idx="minor">
+            <a:schemeClr val="lt1"/>
+          </a:fontRef>
+        </p:style>
+        <p:txBody>
+          <a:bodyPr rtlCol="0" anchor="ctr"/>
+          <a:lstStyle/>
+          <a:p>
+            <a:pPr algn="ctr"/>
+            <a:endParaRPr lang="ko-KR" altLang="en-US"/>
+          </a:p>
+        </p:txBody>
+      </p:sp>
+      <p:sp>
+        <p:nvSpPr>
+          <p:cNvPr id="6" name="직사각형 5"/>
+          <p:cNvSpPr/>
+          <p:nvPr/>
+        </p:nvSpPr>
+        <p:spPr>
+          <a:xfrm>
+            <a:off x="4123113" y="1645918"/>
+            <a:ext cx="3499658" cy="717665"/>
+          </a:xfrm>
+          <a:prstGeom prst="rect">
+            <a:avLst/>
+          </a:prstGeom>
+          <a:solidFill>
+            <a:schemeClr val="accent4">
+              <a:lumMod val="40000"/>
+              <a:lumOff val="60000"/>
+            </a:schemeClr>
+          </a:solidFill>
+        </p:spPr>
+        <p:style>
+          <a:lnRef idx="2">
+            <a:schemeClr val="accent1">
+              <a:shade val="50000"/>
+            </a:schemeClr>
+          </a:lnRef>
+          <a:fillRef idx="1">
+            <a:schemeClr val="accent1"/>
+          </a:fillRef>
+          <a:effectRef idx="0">
+            <a:schemeClr val="accent1"/>
+          </a:effectRef>
+          <a:fontRef idx="minor">
+            <a:schemeClr val="lt1"/>
+          </a:fontRef>
+        </p:style>
+        <p:txBody>
+          <a:bodyPr rtlCol="0" anchor="ctr"/>
+          <a:lstStyle/>
+          <a:p>
+            <a:pPr algn="ctr"/>
+            <a:endParaRPr lang="ko-KR" altLang="en-US"/>
+          </a:p>
+        </p:txBody>
+      </p:sp>
+    </p:spTree>
+    <p:extLst>
+      <p:ext uri="{BB962C8B-B14F-4D97-AF65-F5344CB8AC3E}">
+        <p14:creationId xmlns:p14="http://schemas.microsoft.com/office/powerpoint/2010/main" val="731583415"/>
       </p:ext>
     </p:extLst>
   </p:cSld>

--- a/팀프로젝트_제안서.pptx
+++ b/팀프로젝트_제안서.pptx
@@ -12,7 +12,6 @@
     <p:sldId id="260" r:id="rId6"/>
     <p:sldId id="262" r:id="rId7"/>
     <p:sldId id="263" r:id="rId8"/>
-    <p:sldId id="264" r:id="rId9"/>
   </p:sldIdLst>
   <p:sldSz cx="12192000" cy="6858000"/>
   <p:notesSz cx="6858000" cy="9144000"/>
@@ -9010,102 +9009,6 @@
           </a:p>
         </p:txBody>
       </p:sp>
-      <p:pic>
-        <p:nvPicPr>
-          <p:cNvPr id="70" name="그림 69"/>
-          <p:cNvPicPr>
-            <a:picLocks noChangeAspect="1"/>
-          </p:cNvPicPr>
-          <p:nvPr/>
-        </p:nvPicPr>
-        <p:blipFill>
-          <a:blip r:embed="rId2"/>
-          <a:stretch>
-            <a:fillRect/>
-          </a:stretch>
-        </p:blipFill>
-        <p:spPr>
-          <a:xfrm>
-            <a:off x="747971" y="437495"/>
-            <a:ext cx="3337196" cy="2536433"/>
-          </a:xfrm>
-          <a:prstGeom prst="rect">
-            <a:avLst/>
-          </a:prstGeom>
-        </p:spPr>
-      </p:pic>
-      <p:pic>
-        <p:nvPicPr>
-          <p:cNvPr id="71" name="그림 70"/>
-          <p:cNvPicPr>
-            <a:picLocks noChangeAspect="1"/>
-          </p:cNvPicPr>
-          <p:nvPr/>
-        </p:nvPicPr>
-        <p:blipFill>
-          <a:blip r:embed="rId3"/>
-          <a:stretch>
-            <a:fillRect/>
-          </a:stretch>
-        </p:blipFill>
-        <p:spPr>
-          <a:xfrm>
-            <a:off x="747971" y="3659044"/>
-            <a:ext cx="3291044" cy="2617210"/>
-          </a:xfrm>
-          <a:prstGeom prst="rect">
-            <a:avLst/>
-          </a:prstGeom>
-        </p:spPr>
-      </p:pic>
-      <p:pic>
-        <p:nvPicPr>
-          <p:cNvPr id="72" name="그림 71"/>
-          <p:cNvPicPr>
-            <a:picLocks noChangeAspect="1"/>
-          </p:cNvPicPr>
-          <p:nvPr/>
-        </p:nvPicPr>
-        <p:blipFill>
-          <a:blip r:embed="rId4"/>
-          <a:stretch>
-            <a:fillRect/>
-          </a:stretch>
-        </p:blipFill>
-        <p:spPr>
-          <a:xfrm>
-            <a:off x="6064434" y="3650403"/>
-            <a:ext cx="3278396" cy="2625852"/>
-          </a:xfrm>
-          <a:prstGeom prst="rect">
-            <a:avLst/>
-          </a:prstGeom>
-        </p:spPr>
-      </p:pic>
-      <p:pic>
-        <p:nvPicPr>
-          <p:cNvPr id="73" name="그림 72"/>
-          <p:cNvPicPr>
-            <a:picLocks noChangeAspect="1"/>
-          </p:cNvPicPr>
-          <p:nvPr/>
-        </p:nvPicPr>
-        <p:blipFill>
-          <a:blip r:embed="rId5"/>
-          <a:stretch>
-            <a:fillRect/>
-          </a:stretch>
-        </p:blipFill>
-        <p:spPr>
-          <a:xfrm>
-            <a:off x="6068093" y="437494"/>
-            <a:ext cx="3274737" cy="2453017"/>
-          </a:xfrm>
-          <a:prstGeom prst="rect">
-            <a:avLst/>
-          </a:prstGeom>
-        </p:spPr>
-      </p:pic>
     </p:spTree>
     <p:extLst>
       <p:ext uri="{BB962C8B-B14F-4D97-AF65-F5344CB8AC3E}">
@@ -9252,128 +9155,6 @@
     <p:extLst>
       <p:ext uri="{BB962C8B-B14F-4D97-AF65-F5344CB8AC3E}">
         <p14:creationId xmlns:p14="http://schemas.microsoft.com/office/powerpoint/2010/main" val="1965642840"/>
-      </p:ext>
-    </p:extLst>
-  </p:cSld>
-  <p:clrMapOvr>
-    <a:masterClrMapping/>
-  </p:clrMapOvr>
-</p:sld>
-</file>
-
-<file path=ppt/slides/slide8.xml><?xml version="1.0" encoding="utf-8"?>
-<p:sld xmlns:a="http://schemas.openxmlformats.org/drawingml/2006/main" xmlns:r="http://schemas.openxmlformats.org/officeDocument/2006/relationships" xmlns:p="http://schemas.openxmlformats.org/presentationml/2006/main">
-  <p:cSld>
-    <p:spTree>
-      <p:nvGrpSpPr>
-        <p:cNvPr id="1" name=""/>
-        <p:cNvGrpSpPr/>
-        <p:nvPr/>
-      </p:nvGrpSpPr>
-      <p:grpSpPr>
-        <a:xfrm>
-          <a:off x="0" y="0"/>
-          <a:ext cx="0" cy="0"/>
-          <a:chOff x="0" y="0"/>
-          <a:chExt cx="0" cy="0"/>
-        </a:xfrm>
-      </p:grpSpPr>
-      <p:sp>
-        <p:nvSpPr>
-          <p:cNvPr id="4" name="직사각형 3"/>
-          <p:cNvSpPr/>
-          <p:nvPr/>
-        </p:nvSpPr>
-        <p:spPr>
-          <a:xfrm>
-            <a:off x="465513" y="332509"/>
-            <a:ext cx="11139054" cy="1072342"/>
-          </a:xfrm>
-          <a:prstGeom prst="rect">
-            <a:avLst/>
-          </a:prstGeom>
-          <a:solidFill>
-            <a:schemeClr val="accent4">
-              <a:lumMod val="40000"/>
-              <a:lumOff val="60000"/>
-            </a:schemeClr>
-          </a:solidFill>
-        </p:spPr>
-        <p:style>
-          <a:lnRef idx="2">
-            <a:schemeClr val="accent1">
-              <a:shade val="50000"/>
-            </a:schemeClr>
-          </a:lnRef>
-          <a:fillRef idx="1">
-            <a:schemeClr val="accent1"/>
-          </a:fillRef>
-          <a:effectRef idx="0">
-            <a:schemeClr val="accent1"/>
-          </a:effectRef>
-          <a:fontRef idx="minor">
-            <a:schemeClr val="lt1"/>
-          </a:fontRef>
-        </p:style>
-        <p:txBody>
-          <a:bodyPr rtlCol="0" anchor="ctr"/>
-          <a:lstStyle/>
-          <a:p>
-            <a:pPr algn="ctr"/>
-            <a:endParaRPr lang="ko-KR" altLang="en-US"/>
-          </a:p>
-        </p:txBody>
-      </p:sp>
-      <p:sp>
-        <p:nvSpPr>
-          <p:cNvPr id="6" name="직사각형 5"/>
-          <p:cNvSpPr/>
-          <p:nvPr/>
-        </p:nvSpPr>
-        <p:spPr>
-          <a:xfrm>
-            <a:off x="4123113" y="1645918"/>
-            <a:ext cx="3499658" cy="717665"/>
-          </a:xfrm>
-          <a:prstGeom prst="rect">
-            <a:avLst/>
-          </a:prstGeom>
-          <a:solidFill>
-            <a:schemeClr val="accent4">
-              <a:lumMod val="40000"/>
-              <a:lumOff val="60000"/>
-            </a:schemeClr>
-          </a:solidFill>
-        </p:spPr>
-        <p:style>
-          <a:lnRef idx="2">
-            <a:schemeClr val="accent1">
-              <a:shade val="50000"/>
-            </a:schemeClr>
-          </a:lnRef>
-          <a:fillRef idx="1">
-            <a:schemeClr val="accent1"/>
-          </a:fillRef>
-          <a:effectRef idx="0">
-            <a:schemeClr val="accent1"/>
-          </a:effectRef>
-          <a:fontRef idx="minor">
-            <a:schemeClr val="lt1"/>
-          </a:fontRef>
-        </p:style>
-        <p:txBody>
-          <a:bodyPr rtlCol="0" anchor="ctr"/>
-          <a:lstStyle/>
-          <a:p>
-            <a:pPr algn="ctr"/>
-            <a:endParaRPr lang="ko-KR" altLang="en-US"/>
-          </a:p>
-        </p:txBody>
-      </p:sp>
-    </p:spTree>
-    <p:extLst>
-      <p:ext uri="{BB962C8B-B14F-4D97-AF65-F5344CB8AC3E}">
-        <p14:creationId xmlns:p14="http://schemas.microsoft.com/office/powerpoint/2010/main" val="731583415"/>
       </p:ext>
     </p:extLst>
   </p:cSld>
